--- a/demos/gwas-nlm-slides/gwas-nlm-summary.pptx
+++ b/demos/gwas-nlm-slides/gwas-nlm-summary.pptx
@@ -946,7 +946,7 @@
     <p:bg>
       <p:bgPr>
         <a:solidFill>
-          <a:srgbClr val="1C2833"/>
+          <a:srgbClr val="FFFFFF"/>
         </a:solidFill>
       </p:bgPr>
     </p:bg>
@@ -966,52 +966,22 @@
       </p:grpSpPr>
       <p:sp>
         <p:nvSpPr>
-          <p:cNvPr id="2" name="Text 0"/>
-          <p:cNvSpPr/>
-          <p:nvPr/>
-        </p:nvSpPr>
-        <p:spPr>
-          <a:xfrm>
-            <a:off x="0" y="0"/>
-            <a:ext cx="9144000" cy="1155502"/>
-          </a:xfrm>
-          <a:prstGeom prst="rect">
-            <a:avLst/>
-          </a:prstGeom>
-          <a:solidFill>
-            <a:srgbClr val="2E4053"/>
-          </a:solidFill>
-          <a:ln/>
-        </p:spPr>
-        <p:txBody>
-          <a:bodyPr wrap="square" rtlCol="0" anchor="ctr"/>
-          <a:lstStyle/>
-          <a:p>
-            <a:pPr indent="0" marL="0">
-              <a:buNone/>
-            </a:pPr>
-            <a:endParaRPr lang="en-US" dirty="0"/>
-          </a:p>
-        </p:txBody>
-      </p:sp>
-      <p:sp>
-        <p:nvSpPr>
-          <p:cNvPr id="3" name="Shape 1"/>
-          <p:cNvSpPr/>
-          <p:nvPr/>
-        </p:nvSpPr>
-        <p:spPr>
-          <a:xfrm>
-            <a:off x="0" y="1131689"/>
+          <p:cNvPr id="2" name="Shape 0"/>
+          <p:cNvSpPr/>
+          <p:nvPr/>
+        </p:nvSpPr>
+        <p:spPr>
+          <a:xfrm>
+            <a:off x="0" y="787301"/>
             <a:ext cx="9144000" cy="0"/>
           </a:xfrm>
           <a:prstGeom prst="line">
             <a:avLst/>
           </a:prstGeom>
           <a:noFill/>
-          <a:ln w="47625">
+          <a:ln w="38100">
             <a:solidFill>
-              <a:srgbClr val="F39C12"/>
+              <a:srgbClr val="1A3A5C"/>
             </a:solidFill>
             <a:prstDash val="solid"/>
           </a:ln>
@@ -1019,14 +989,14 @@
       </p:sp>
       <p:sp>
         <p:nvSpPr>
-          <p:cNvPr id="4" name="Text 2"/>
-          <p:cNvSpPr/>
-          <p:nvPr/>
-        </p:nvSpPr>
-        <p:spPr>
-          <a:xfrm>
-            <a:off x="507950" y="253901"/>
-            <a:ext cx="8290661" cy="352425"/>
+          <p:cNvPr id="3" name="Text 1"/>
+          <p:cNvSpPr/>
+          <p:nvPr/>
+        </p:nvSpPr>
+        <p:spPr>
+          <a:xfrm>
+            <a:off x="571500" y="253901"/>
+            <a:ext cx="8161020" cy="323850"/>
           </a:xfrm>
           <a:prstGeom prst="rect">
             <a:avLst/>
@@ -1042,72 +1012,125 @@
               <a:buNone/>
             </a:pPr>
             <a:r>
-              <a:rPr lang="en-US" sz="2400" b="1" dirty="0">
+              <a:rPr lang="en-US" sz="2200" b="1" dirty="0">
                 <a:solidFill>
-                  <a:srgbClr val="FFFFFF"/>
+                  <a:srgbClr val="1A3A5C"/>
                 </a:solidFill>
                 <a:latin typeface="Arial" pitchFamily="34" charset="0"/>
                 <a:ea typeface="Arial" pitchFamily="34" charset="-122"/>
                 <a:cs typeface="Arial" pitchFamily="34" charset="-120"/>
               </a:rPr>
-              <a:t>Measuring the True Impact of NIH Genomic Research</a:t>
-            </a:r>
-            <a:endParaRPr lang="en-US" sz="2400" dirty="0"/>
-          </a:p>
-        </p:txBody>
-      </p:sp>
-      <p:sp>
-        <p:nvSpPr>
-          <p:cNvPr id="5" name="Text 3"/>
-          <p:cNvSpPr/>
-          <p:nvPr/>
-        </p:nvSpPr>
-        <p:spPr>
-          <a:xfrm>
-            <a:off x="507950" y="682526"/>
-            <a:ext cx="8290661" cy="171450"/>
-          </a:xfrm>
-          <a:prstGeom prst="rect">
-            <a:avLst/>
-          </a:prstGeom>
-          <a:noFill/>
+              <a:t>GWAS Research: Impact Beyond Direct Discovery</a:t>
+            </a:r>
+            <a:endParaRPr lang="en-US" sz="2200" dirty="0"/>
+          </a:p>
+        </p:txBody>
+      </p:sp>
+      <p:sp>
+        <p:nvSpPr>
+          <p:cNvPr id="4" name="Text 2"/>
+          <p:cNvSpPr/>
+          <p:nvPr/>
+        </p:nvSpPr>
+        <p:spPr>
+          <a:xfrm>
+            <a:off x="571500" y="1034951"/>
+            <a:ext cx="8001000" cy="766763"/>
+          </a:xfrm>
+          <a:prstGeom prst="rect">
+            <a:avLst/>
+          </a:prstGeom>
+          <a:solidFill>
+            <a:srgbClr val="F7F9FB"/>
+          </a:solidFill>
           <a:ln/>
         </p:spPr>
         <p:txBody>
+          <a:bodyPr wrap="square" rtlCol="0" anchor="ctr"/>
+          <a:lstStyle/>
+          <a:p>
+            <a:pPr indent="0" marL="0">
+              <a:buNone/>
+            </a:pPr>
+            <a:endParaRPr lang="en-US" dirty="0"/>
+          </a:p>
+        </p:txBody>
+      </p:sp>
+      <p:sp>
+        <p:nvSpPr>
+          <p:cNvPr id="5" name="Shape 3"/>
+          <p:cNvSpPr/>
+          <p:nvPr/>
+        </p:nvSpPr>
+        <p:spPr>
+          <a:xfrm>
+            <a:off x="595313" y="1034951"/>
+            <a:ext cx="0" cy="766762"/>
+          </a:xfrm>
+          <a:prstGeom prst="line">
+            <a:avLst/>
+          </a:prstGeom>
+          <a:noFill/>
+          <a:ln w="47625">
+            <a:solidFill>
+              <a:srgbClr val="1A3A5C"/>
+            </a:solidFill>
+            <a:prstDash val="solid"/>
+          </a:ln>
+        </p:spPr>
+      </p:sp>
+      <p:sp>
+        <p:nvSpPr>
+          <p:cNvPr id="6" name="Text 4"/>
+          <p:cNvSpPr/>
+          <p:nvPr/>
+        </p:nvSpPr>
+        <p:spPr>
+          <a:xfrm>
+            <a:off x="847725" y="1187351"/>
+            <a:ext cx="7646099" cy="461963"/>
+          </a:xfrm>
+          <a:prstGeom prst="rect">
+            <a:avLst/>
+          </a:prstGeom>
+          <a:noFill/>
+          <a:ln/>
+        </p:spPr>
+        <p:txBody>
           <a:bodyPr wrap="square" lIns="0" tIns="0" rIns="0" bIns="0" rtlCol="0" anchor="t"/>
           <a:lstStyle/>
           <a:p>
             <a:pPr algn="l" indent="0" marL="0">
-              <a:spcBef>
-                <a:spcPts val="600"/>
-              </a:spcBef>
-              <a:buNone/>
-            </a:pPr>
-            <a:r>
-              <a:rPr lang="en-US" sz="1200" dirty="0">
+              <a:lnSpc>
+                <a:spcPts val="1820"/>
+              </a:lnSpc>
+              <a:buNone/>
+            </a:pPr>
+            <a:r>
+              <a:rPr lang="en-US" sz="1300" dirty="0">
                 <a:solidFill>
-                  <a:srgbClr val="AAB7B8"/>
+                  <a:srgbClr val="1A3A5C"/>
                 </a:solidFill>
                 <a:latin typeface="Arial" pitchFamily="34" charset="0"/>
                 <a:ea typeface="Arial" pitchFamily="34" charset="-122"/>
                 <a:cs typeface="Arial" pitchFamily="34" charset="-120"/>
               </a:rPr>
-              <a:t>GWAS Discoveries and Pharmaceutical Innovation Spillovers</a:t>
-            </a:r>
-            <a:endParaRPr lang="en-US" sz="1200" dirty="0"/>
-          </a:p>
-        </p:txBody>
-      </p:sp>
-      <p:sp>
-        <p:nvSpPr>
-          <p:cNvPr id="6" name="Text 4"/>
-          <p:cNvSpPr/>
-          <p:nvPr/>
-        </p:nvSpPr>
-        <p:spPr>
-          <a:xfrm>
-            <a:off x="507950" y="1472952"/>
-            <a:ext cx="5052212" cy="238125"/>
+              <a:t>When NIH funds a GWAS discovery, the scientific value extends far beyond that single finding. Knowledge flows through biological networks, enabling innovation across related gene-disease pairs.</a:t>
+            </a:r>
+            <a:endParaRPr lang="en-US" sz="1300" dirty="0"/>
+          </a:p>
+        </p:txBody>
+      </p:sp>
+      <p:sp>
+        <p:nvSpPr>
+          <p:cNvPr id="7" name="Text 5"/>
+          <p:cNvSpPr/>
+          <p:nvPr/>
+        </p:nvSpPr>
+        <p:spPr>
+          <a:xfrm>
+            <a:off x="571500" y="1992213"/>
+            <a:ext cx="3751853" cy="171450"/>
           </a:xfrm>
           <a:prstGeom prst="rect">
             <a:avLst/>
@@ -1121,35 +1144,35 @@
           <a:p>
             <a:pPr algn="l" indent="0" marL="0">
               <a:spcAft>
-                <a:spcPts val="1200"/>
+                <a:spcPts val="800"/>
               </a:spcAft>
               <a:buNone/>
             </a:pPr>
             <a:r>
-              <a:rPr lang="en-US" sz="1600" b="1" dirty="0">
+              <a:rPr lang="en-US" sz="1200" b="1" dirty="0">
                 <a:solidFill>
-                  <a:srgbClr val="F39C12"/>
+                  <a:srgbClr val="1A3A5C"/>
                 </a:solidFill>
                 <a:latin typeface="Arial" pitchFamily="34" charset="0"/>
                 <a:ea typeface="Arial" pitchFamily="34" charset="-122"/>
                 <a:cs typeface="Arial" pitchFamily="34" charset="-120"/>
               </a:rPr>
-              <a:t>KEY FINDING</a:t>
-            </a:r>
-            <a:endParaRPr lang="en-US" sz="1600" dirty="0"/>
-          </a:p>
-        </p:txBody>
-      </p:sp>
-      <p:sp>
-        <p:nvSpPr>
-          <p:cNvPr id="7" name="Text 5"/>
-          <p:cNvSpPr/>
-          <p:nvPr/>
-        </p:nvSpPr>
-        <p:spPr>
-          <a:xfrm>
-            <a:off x="507950" y="1863477"/>
-            <a:ext cx="4953149" cy="1964978"/>
+              <a:t>THE CHALLENGE</a:t>
+            </a:r>
+            <a:endParaRPr lang="en-US" sz="1200" dirty="0"/>
+          </a:p>
+        </p:txBody>
+      </p:sp>
+      <p:sp>
+        <p:nvSpPr>
+          <p:cNvPr id="8" name="Text 6"/>
+          <p:cNvSpPr/>
+          <p:nvPr/>
+        </p:nvSpPr>
+        <p:spPr>
+          <a:xfrm>
+            <a:off x="571500" y="2265164"/>
+            <a:ext cx="3751853" cy="586680"/>
           </a:xfrm>
           <a:prstGeom prst="rect">
             <a:avLst/>
@@ -1158,224 +1181,284 @@
           <a:ln/>
         </p:spPr>
         <p:txBody>
-          <a:bodyPr wrap="square" lIns="114300" tIns="0" rIns="0" bIns="0" rtlCol="0" anchor="t"/>
-          <a:lstStyle/>
-          <a:p>
-            <a:pPr algn="l" marL="114300" indent="-114300">
+          <a:bodyPr wrap="square" lIns="0" tIns="0" rIns="0" bIns="0" rtlCol="0" anchor="t"/>
+          <a:lstStyle/>
+          <a:p>
+            <a:pPr algn="l" indent="0" marL="0">
               <a:lnSpc>
-                <a:spcPts val="2080"/>
+                <a:spcPts val="1540"/>
               </a:lnSpc>
               <a:spcAft>
-                <a:spcPts val="1000"/>
+                <a:spcPts val="800"/>
               </a:spcAft>
-              <a:buSzPct val="100000"/>
-              <a:buChar char="•"/>
-            </a:pPr>
-            <a:r>
-              <a:rPr lang="en-US" sz="1300" dirty="0">
+              <a:buNone/>
+            </a:pPr>
+            <a:r>
+              <a:rPr lang="en-US" sz="1100" dirty="0">
                 <a:solidFill>
-                  <a:srgbClr val="F4F6F6"/>
+                  <a:srgbClr val="444444"/>
                 </a:solidFill>
                 <a:latin typeface="Arial" pitchFamily="34" charset="0"/>
                 <a:ea typeface="Arial" pitchFamily="34" charset="-122"/>
                 <a:cs typeface="Arial" pitchFamily="34" charset="-120"/>
               </a:rPr>
-              <a:t>GWAS discoveries don't just benefit </a:t>
+              <a:t>Traditional ROI metrics only capture </a:t>
             </a:r>
             <a:pPr algn="l" indent="0" marL="0">
               <a:lnSpc>
-                <a:spcPts val="2080"/>
+                <a:spcPts val="1540"/>
               </a:lnSpc>
               <a:spcAft>
-                <a:spcPts val="1000"/>
+                <a:spcPts val="800"/>
               </a:spcAft>
               <a:buNone/>
             </a:pPr>
             <a:r>
-              <a:rPr lang="en-US" sz="1300" b="1" dirty="0">
+              <a:rPr lang="en-US" sz="1100" b="1" dirty="0">
                 <a:solidFill>
-                  <a:srgbClr val="F4F6F6"/>
+                  <a:srgbClr val="444444"/>
                 </a:solidFill>
                 <a:latin typeface="Arial" pitchFamily="34" charset="0"/>
                 <a:ea typeface="Arial" pitchFamily="34" charset="-122"/>
                 <a:cs typeface="Arial" pitchFamily="34" charset="-120"/>
               </a:rPr>
-              <a:t>direct targets</a:t>
-            </a:r>
-            <a:endParaRPr lang="en-US" sz="1300" dirty="0"/>
-          </a:p>
-          <a:p>
-            <a:pPr algn="l" marL="114300" indent="-114300">
+              <a:t>direct</a:t>
+            </a:r>
+            <a:pPr algn="l" indent="0" marL="0">
               <a:lnSpc>
-                <a:spcPts val="2080"/>
+                <a:spcPts val="1540"/>
               </a:lnSpc>
               <a:spcAft>
-                <a:spcPts val="1000"/>
+                <a:spcPts val="800"/>
               </a:spcAft>
-              <a:buSzPct val="100000"/>
-              <a:buChar char="•"/>
-            </a:pPr>
-            <a:r>
-              <a:rPr lang="en-US" sz="1300" dirty="0">
+              <a:buNone/>
+            </a:pPr>
+            <a:r>
+              <a:rPr lang="en-US" sz="1100" dirty="0">
                 <a:solidFill>
-                  <a:srgbClr val="F4F6F6"/>
+                  <a:srgbClr val="444444"/>
                 </a:solidFill>
                 <a:latin typeface="Arial" pitchFamily="34" charset="0"/>
                 <a:ea typeface="Arial" pitchFamily="34" charset="-122"/>
                 <a:cs typeface="Arial" pitchFamily="34" charset="-120"/>
               </a:rPr>
-              <a:t>Innovation </a:t>
-            </a:r>
+              <a:t> outcomes. But scientific knowledge is interconnected—a discovery about one gene informs research on biologically related genes.</a:t>
+            </a:r>
+            <a:endParaRPr lang="en-US" sz="1100" dirty="0"/>
+          </a:p>
+        </p:txBody>
+      </p:sp>
+      <p:sp>
+        <p:nvSpPr>
+          <p:cNvPr id="9" name="Text 7"/>
+          <p:cNvSpPr/>
+          <p:nvPr/>
+        </p:nvSpPr>
+        <p:spPr>
+          <a:xfrm>
+            <a:off x="571500" y="2953345"/>
+            <a:ext cx="3751853" cy="391120"/>
+          </a:xfrm>
+          <a:prstGeom prst="rect">
+            <a:avLst/>
+          </a:prstGeom>
+          <a:noFill/>
+          <a:ln/>
+        </p:spPr>
+        <p:txBody>
+          <a:bodyPr wrap="square" lIns="0" tIns="0" rIns="0" bIns="0" rtlCol="0" anchor="t"/>
+          <a:lstStyle/>
+          <a:p>
             <a:pPr algn="l" indent="0" marL="0">
               <a:lnSpc>
-                <a:spcPts val="2080"/>
+                <a:spcPts val="1540"/>
               </a:lnSpc>
               <a:spcAft>
-                <a:spcPts val="1000"/>
+                <a:spcPts val="800"/>
               </a:spcAft>
               <a:buNone/>
             </a:pPr>
             <a:r>
-              <a:rPr lang="en-US" sz="1300" b="1" dirty="0">
+              <a:rPr lang="en-US" sz="1100" dirty="0">
                 <a:solidFill>
-                  <a:srgbClr val="F4F6F6"/>
+                  <a:srgbClr val="444444"/>
                 </a:solidFill>
                 <a:latin typeface="Arial" pitchFamily="34" charset="0"/>
                 <a:ea typeface="Arial" pitchFamily="34" charset="-122"/>
                 <a:cs typeface="Arial" pitchFamily="34" charset="-120"/>
               </a:rPr>
-              <a:t>spills over</a:t>
+              <a:t>Without measuring spillovers, we systematically </a:t>
             </a:r>
             <a:pPr algn="l" indent="0" marL="0">
               <a:lnSpc>
-                <a:spcPts val="2080"/>
+                <a:spcPts val="1540"/>
               </a:lnSpc>
               <a:spcAft>
-                <a:spcPts val="1000"/>
+                <a:spcPts val="800"/>
               </a:spcAft>
               <a:buNone/>
             </a:pPr>
             <a:r>
-              <a:rPr lang="en-US" sz="1300" dirty="0">
+              <a:rPr lang="en-US" sz="1100" b="1" dirty="0">
                 <a:solidFill>
-                  <a:srgbClr val="F4F6F6"/>
+                  <a:srgbClr val="444444"/>
                 </a:solidFill>
                 <a:latin typeface="Arial" pitchFamily="34" charset="0"/>
                 <a:ea typeface="Arial" pitchFamily="34" charset="-122"/>
                 <a:cs typeface="Arial" pitchFamily="34" charset="-120"/>
               </a:rPr>
-              <a:t> to biologically related gene-disease pairs through pathway networks</a:t>
-            </a:r>
-            <a:endParaRPr lang="en-US" sz="1300" dirty="0"/>
-          </a:p>
-          <a:p>
-            <a:pPr algn="l" marL="114300" indent="-114300">
+              <a:t>undervalue</a:t>
+            </a:r>
+            <a:pPr algn="l" indent="0" marL="0">
               <a:lnSpc>
-                <a:spcPts val="2080"/>
+                <a:spcPts val="1540"/>
               </a:lnSpc>
               <a:spcAft>
-                <a:spcPts val="1000"/>
+                <a:spcPts val="800"/>
               </a:spcAft>
-              <a:buSzPct val="100000"/>
-              <a:buChar char="•"/>
-            </a:pPr>
-            <a:r>
-              <a:rPr lang="en-US" sz="1300" dirty="0">
+              <a:buNone/>
+            </a:pPr>
+            <a:r>
+              <a:rPr lang="en-US" sz="1100" dirty="0">
                 <a:solidFill>
-                  <a:srgbClr val="F4F6F6"/>
+                  <a:srgbClr val="444444"/>
                 </a:solidFill>
                 <a:latin typeface="Arial" pitchFamily="34" charset="0"/>
                 <a:ea typeface="Arial" pitchFamily="34" charset="-122"/>
                 <a:cs typeface="Arial" pitchFamily="34" charset="-120"/>
               </a:rPr>
-              <a:t>For every directly-linked pair, </a:t>
-            </a:r>
+              <a:t> basic science investments.</a:t>
+            </a:r>
+            <a:endParaRPr lang="en-US" sz="1100" dirty="0"/>
+          </a:p>
+        </p:txBody>
+      </p:sp>
+      <p:sp>
+        <p:nvSpPr>
+          <p:cNvPr id="10" name="Shape 8"/>
+          <p:cNvSpPr/>
+          <p:nvPr/>
+        </p:nvSpPr>
+        <p:spPr>
+          <a:xfrm>
+            <a:off x="4572000" y="1992213"/>
+            <a:ext cx="0" cy="2621161"/>
+          </a:xfrm>
+          <a:prstGeom prst="line">
+            <a:avLst/>
+          </a:prstGeom>
+          <a:noFill/>
+          <a:ln w="9525">
+            <a:solidFill>
+              <a:srgbClr val="DDDDDD"/>
+            </a:solidFill>
+            <a:prstDash val="solid"/>
+          </a:ln>
+        </p:spPr>
+      </p:sp>
+      <p:sp>
+        <p:nvSpPr>
+          <p:cNvPr id="11" name="Text 9"/>
+          <p:cNvSpPr/>
+          <p:nvPr/>
+        </p:nvSpPr>
+        <p:spPr>
+          <a:xfrm>
+            <a:off x="4894213" y="1992213"/>
+            <a:ext cx="3751853" cy="171450"/>
+          </a:xfrm>
+          <a:prstGeom prst="rect">
+            <a:avLst/>
+          </a:prstGeom>
+          <a:noFill/>
+          <a:ln/>
+        </p:spPr>
+        <p:txBody>
+          <a:bodyPr wrap="square" lIns="0" tIns="0" rIns="0" bIns="0" rtlCol="0" anchor="t"/>
+          <a:lstStyle/>
+          <a:p>
             <a:pPr algn="l" indent="0" marL="0">
-              <a:lnSpc>
-                <a:spcPts val="2080"/>
-              </a:lnSpc>
               <a:spcAft>
-                <a:spcPts val="1000"/>
+                <a:spcPts val="800"/>
               </a:spcAft>
               <a:buNone/>
             </a:pPr>
             <a:r>
-              <a:rPr lang="en-US" sz="1300" b="1" dirty="0">
+              <a:rPr lang="en-US" sz="1200" b="1" dirty="0">
                 <a:solidFill>
-                  <a:srgbClr val="F4F6F6"/>
+                  <a:srgbClr val="1A3A5C"/>
                 </a:solidFill>
                 <a:latin typeface="Arial" pitchFamily="34" charset="0"/>
                 <a:ea typeface="Arial" pitchFamily="34" charset="-122"/>
                 <a:cs typeface="Arial" pitchFamily="34" charset="-120"/>
               </a:rPr>
-              <a:t>60 additional pairs</a:t>
-            </a:r>
+              <a:t>WHAT WE FOUND</a:t>
+            </a:r>
+            <a:endParaRPr lang="en-US" sz="1200" dirty="0"/>
+          </a:p>
+        </p:txBody>
+      </p:sp>
+      <p:sp>
+        <p:nvSpPr>
+          <p:cNvPr id="12" name="Text 10"/>
+          <p:cNvSpPr/>
+          <p:nvPr/>
+        </p:nvSpPr>
+        <p:spPr>
+          <a:xfrm>
+            <a:off x="4894213" y="2265164"/>
+            <a:ext cx="3751853" cy="391120"/>
+          </a:xfrm>
+          <a:prstGeom prst="rect">
+            <a:avLst/>
+          </a:prstGeom>
+          <a:noFill/>
+          <a:ln/>
+        </p:spPr>
+        <p:txBody>
+          <a:bodyPr wrap="square" lIns="0" tIns="0" rIns="0" bIns="0" rtlCol="0" anchor="t"/>
+          <a:lstStyle/>
+          <a:p>
             <a:pPr algn="l" indent="0" marL="0">
               <a:lnSpc>
-                <a:spcPts val="2080"/>
+                <a:spcPts val="1540"/>
               </a:lnSpc>
               <a:spcAft>
-                <a:spcPts val="1000"/>
+                <a:spcPts val="800"/>
               </a:spcAft>
               <a:buNone/>
             </a:pPr>
             <a:r>
-              <a:rPr lang="en-US" sz="1300" dirty="0">
+              <a:rPr lang="en-US" sz="1100" dirty="0">
                 <a:solidFill>
-                  <a:srgbClr val="F4F6F6"/>
+                  <a:srgbClr val="444444"/>
                 </a:solidFill>
                 <a:latin typeface="Arial" pitchFamily="34" charset="0"/>
                 <a:ea typeface="Arial" pitchFamily="34" charset="-122"/>
                 <a:cs typeface="Arial" pitchFamily="34" charset="-120"/>
               </a:rPr>
-              <a:t> see increased pharmaceutical patenting</a:t>
-            </a:r>
-            <a:endParaRPr lang="en-US" sz="1300" dirty="0"/>
-          </a:p>
-          <a:p>
-            <a:pPr algn="l" marL="114300" indent="-114300">
-              <a:lnSpc>
-                <a:spcPts val="2080"/>
-              </a:lnSpc>
-              <a:spcAft>
-                <a:spcPts val="1000"/>
-              </a:spcAft>
-              <a:buSzPct val="100000"/>
-              <a:buChar char="•"/>
-            </a:pPr>
-            <a:r>
-              <a:rPr lang="en-US" sz="1300" dirty="0">
-                <a:solidFill>
-                  <a:srgbClr val="F4F6F6"/>
-                </a:solidFill>
-                <a:latin typeface="Arial" pitchFamily="34" charset="0"/>
-                <a:ea typeface="Arial" pitchFamily="34" charset="-122"/>
-                <a:cs typeface="Arial" pitchFamily="34" charset="-120"/>
-              </a:rPr>
-              <a:t>707K gene-disease pairs affected across 21 years of patent data</a:t>
-            </a:r>
-            <a:endParaRPr lang="en-US" sz="1300" dirty="0"/>
-          </a:p>
-        </p:txBody>
-      </p:sp>
-      <p:sp>
-        <p:nvSpPr>
-          <p:cNvPr id="8" name="Text 6"/>
-          <p:cNvSpPr/>
-          <p:nvPr/>
-        </p:nvSpPr>
-        <p:spPr>
-          <a:xfrm>
-            <a:off x="5715149" y="2127200"/>
-            <a:ext cx="3048000" cy="1657201"/>
-          </a:xfrm>
-          <a:prstGeom prst="roundRect">
-            <a:avLst>
-              <a:gd name="adj" fmla="val 9196"/>
-            </a:avLst>
-          </a:prstGeom>
-          <a:solidFill>
-            <a:srgbClr val="F39C12"/>
+              <a:t>Using biological pathway data, we trace how discoveries propagate through the biomedical knowledge network.</a:t>
+            </a:r>
+            <a:endParaRPr lang="en-US" sz="1100" dirty="0"/>
+          </a:p>
+        </p:txBody>
+      </p:sp>
+      <p:sp>
+        <p:nvSpPr>
+          <p:cNvPr id="13" name="Text 11"/>
+          <p:cNvSpPr/>
+          <p:nvPr/>
+        </p:nvSpPr>
+        <p:spPr>
+          <a:xfrm>
+            <a:off x="4894213" y="2757785"/>
+            <a:ext cx="3678287" cy="1102221"/>
+          </a:xfrm>
+          <a:prstGeom prst="rect">
+            <a:avLst/>
+          </a:prstGeom>
+          <a:solidFill>
+            <a:srgbClr val="1A3A5C"/>
           </a:solidFill>
           <a:ln/>
         </p:spPr>
@@ -1392,14 +1475,14 @@
       </p:sp>
       <p:sp>
         <p:nvSpPr>
-          <p:cNvPr id="9" name="Text 7"/>
-          <p:cNvSpPr/>
-          <p:nvPr/>
-        </p:nvSpPr>
-        <p:spPr>
-          <a:xfrm>
-            <a:off x="6073289" y="2444651"/>
-            <a:ext cx="2331720" cy="711250"/>
+          <p:cNvPr id="14" name="Text 12"/>
+          <p:cNvSpPr/>
+          <p:nvPr/>
+        </p:nvSpPr>
+        <p:spPr>
+          <a:xfrm>
+            <a:off x="5051740" y="2910185"/>
+            <a:ext cx="3363233" cy="568970"/>
           </a:xfrm>
           <a:prstGeom prst="rect">
             <a:avLst/>
@@ -1413,14 +1496,14 @@
           <a:p>
             <a:pPr algn="ctr" indent="0" marL="0">
               <a:lnSpc>
-                <a:spcPts val="5600"/>
+                <a:spcPts val="4480"/>
               </a:lnSpc>
               <a:buNone/>
             </a:pPr>
             <a:r>
-              <a:rPr lang="en-US" sz="5600" b="1" dirty="0">
+              <a:rPr lang="en-US" sz="3200" b="1" dirty="0">
                 <a:solidFill>
-                  <a:srgbClr val="1C2833"/>
+                  <a:srgbClr val="444444"/>
                 </a:solidFill>
                 <a:latin typeface="Arial" pitchFamily="34" charset="0"/>
                 <a:ea typeface="Arial" pitchFamily="34" charset="-122"/>
@@ -1428,20 +1511,20 @@
               </a:rPr>
               <a:t>60x</a:t>
             </a:r>
-            <a:endParaRPr lang="en-US" sz="5600" dirty="0"/>
-          </a:p>
-        </p:txBody>
-      </p:sp>
-      <p:sp>
-        <p:nvSpPr>
-          <p:cNvPr id="10" name="Text 8"/>
-          <p:cNvSpPr/>
-          <p:nvPr/>
-        </p:nvSpPr>
-        <p:spPr>
-          <a:xfrm>
-            <a:off x="6073289" y="3257401"/>
-            <a:ext cx="2331720" cy="209550"/>
+            <a:endParaRPr lang="en-US" sz="3200" dirty="0"/>
+          </a:p>
+        </p:txBody>
+      </p:sp>
+      <p:sp>
+        <p:nvSpPr>
+          <p:cNvPr id="15" name="Text 13"/>
+          <p:cNvSpPr/>
+          <p:nvPr/>
+        </p:nvSpPr>
+        <p:spPr>
+          <a:xfrm>
+            <a:off x="5051740" y="3529905"/>
+            <a:ext cx="3363233" cy="177701"/>
           </a:xfrm>
           <a:prstGeom prst="rect">
             <a:avLst/>
@@ -1454,74 +1537,70 @@
           <a:lstStyle/>
           <a:p>
             <a:pPr algn="ctr" indent="0" marL="0">
+              <a:lnSpc>
+                <a:spcPts val="1400"/>
+              </a:lnSpc>
               <a:spcBef>
-                <a:spcPts val="800"/>
+                <a:spcPts val="400"/>
               </a:spcBef>
               <a:buNone/>
             </a:pPr>
             <a:r>
-              <a:rPr lang="en-US" sz="1400" b="1" dirty="0">
+              <a:rPr lang="en-US" sz="1000" dirty="0">
                 <a:solidFill>
-                  <a:srgbClr val="1C2833"/>
+                  <a:srgbClr val="444444"/>
                 </a:solidFill>
                 <a:latin typeface="Arial" pitchFamily="34" charset="0"/>
                 <a:ea typeface="Arial" pitchFamily="34" charset="-122"/>
                 <a:cs typeface="Arial" pitchFamily="34" charset="-120"/>
               </a:rPr>
-              <a:t>Spillover Multiplier</a:t>
-            </a:r>
-            <a:endParaRPr lang="en-US" sz="1400" dirty="0"/>
-          </a:p>
-        </p:txBody>
-      </p:sp>
-      <p:sp>
-        <p:nvSpPr>
-          <p:cNvPr id="11" name="Text 9"/>
-          <p:cNvSpPr/>
-          <p:nvPr/>
-        </p:nvSpPr>
-        <p:spPr>
-          <a:xfrm>
-            <a:off x="0" y="4756249"/>
-            <a:ext cx="9144000" cy="387251"/>
-          </a:xfrm>
-          <a:prstGeom prst="rect">
-            <a:avLst/>
-          </a:prstGeom>
-          <a:solidFill>
-            <a:srgbClr val="2E4053"/>
-          </a:solidFill>
+              <a:t>SPILLOVER MULTIPLIER</a:t>
+            </a:r>
+            <a:endParaRPr lang="en-US" sz="1000" dirty="0"/>
+          </a:p>
+        </p:txBody>
+      </p:sp>
+      <p:sp>
+        <p:nvSpPr>
+          <p:cNvPr id="16" name="Shape 14"/>
+          <p:cNvSpPr/>
+          <p:nvPr/>
+        </p:nvSpPr>
+        <p:spPr>
+          <a:xfrm>
+            <a:off x="0" y="4770537"/>
+            <a:ext cx="9144000" cy="0"/>
+          </a:xfrm>
+          <a:prstGeom prst="line">
+            <a:avLst/>
+          </a:prstGeom>
+          <a:noFill/>
+          <a:ln w="9525">
+            <a:solidFill>
+              <a:srgbClr val="DDDDDD"/>
+            </a:solidFill>
+            <a:prstDash val="solid"/>
+          </a:ln>
+        </p:spPr>
+      </p:sp>
+      <p:sp>
+        <p:nvSpPr>
+          <p:cNvPr id="17" name="Text 15"/>
+          <p:cNvSpPr/>
+          <p:nvPr/>
+        </p:nvSpPr>
+        <p:spPr>
+          <a:xfrm>
+            <a:off x="571500" y="4902250"/>
+            <a:ext cx="1899836" cy="114300"/>
+          </a:xfrm>
+          <a:prstGeom prst="rect">
+            <a:avLst/>
+          </a:prstGeom>
+          <a:noFill/>
           <a:ln/>
         </p:spPr>
         <p:txBody>
-          <a:bodyPr wrap="square" rtlCol="0" anchor="ctr"/>
-          <a:lstStyle/>
-          <a:p>
-            <a:pPr indent="0" marL="0">
-              <a:buNone/>
-            </a:pPr>
-            <a:endParaRPr lang="en-US" dirty="0"/>
-          </a:p>
-        </p:txBody>
-      </p:sp>
-      <p:sp>
-        <p:nvSpPr>
-          <p:cNvPr id="12" name="Text 10"/>
-          <p:cNvSpPr/>
-          <p:nvPr/>
-        </p:nvSpPr>
-        <p:spPr>
-          <a:xfrm>
-            <a:off x="507950" y="4883200"/>
-            <a:ext cx="3777963" cy="133350"/>
-          </a:xfrm>
-          <a:prstGeom prst="rect">
-            <a:avLst/>
-          </a:prstGeom>
-          <a:noFill/>
-          <a:ln/>
-        </p:spPr>
-        <p:txBody>
           <a:bodyPr wrap="square" lIns="0" tIns="0" rIns="0" bIns="0" rtlCol="0" anchor="t"/>
           <a:lstStyle/>
           <a:p>
@@ -1529,30 +1608,30 @@
               <a:buNone/>
             </a:pPr>
             <a:r>
-              <a:rPr lang="en-US" sz="900" dirty="0">
+              <a:rPr lang="en-US" sz="800" dirty="0">
                 <a:solidFill>
-                  <a:srgbClr val="AAB7B8"/>
+                  <a:srgbClr val="888888"/>
                 </a:solidFill>
                 <a:latin typeface="Arial" pitchFamily="34" charset="0"/>
                 <a:ea typeface="Arial" pitchFamily="34" charset="-122"/>
                 <a:cs typeface="Arial" pitchFamily="34" charset="-120"/>
               </a:rPr>
-              <a:t>Tranchero, Guthmann et al. | Wharton School, University of Pennsylvania</a:t>
-            </a:r>
-            <a:endParaRPr lang="en-US" sz="900" dirty="0"/>
-          </a:p>
-        </p:txBody>
-      </p:sp>
-      <p:sp>
-        <p:nvSpPr>
-          <p:cNvPr id="13" name="Text 11"/>
-          <p:cNvSpPr/>
-          <p:nvPr/>
-        </p:nvSpPr>
-        <p:spPr>
-          <a:xfrm>
-            <a:off x="5110163" y="4883200"/>
-            <a:ext cx="3596405" cy="133350"/>
+              <a:t>Tranchero &amp; Guthmann | Wharton School</a:t>
+            </a:r>
+            <a:endParaRPr lang="en-US" sz="800" dirty="0"/>
+          </a:p>
+        </p:txBody>
+      </p:sp>
+      <p:sp>
+        <p:nvSpPr>
+          <p:cNvPr id="18" name="Text 16"/>
+          <p:cNvSpPr/>
+          <p:nvPr/>
+        </p:nvSpPr>
+        <p:spPr>
+          <a:xfrm>
+            <a:off x="6292602" y="4902250"/>
+            <a:ext cx="2325496" cy="114300"/>
           </a:xfrm>
           <a:prstGeom prst="rect">
             <a:avLst/>
@@ -1568,17 +1647,17 @@
               <a:buNone/>
             </a:pPr>
             <a:r>
-              <a:rPr lang="en-US" sz="900" dirty="0">
+              <a:rPr lang="en-US" sz="800" dirty="0">
                 <a:solidFill>
-                  <a:srgbClr val="AAB7B8"/>
+                  <a:srgbClr val="888888"/>
                 </a:solidFill>
                 <a:latin typeface="Arial" pitchFamily="34" charset="0"/>
                 <a:ea typeface="Arial" pitchFamily="34" charset="-122"/>
                 <a:cs typeface="Arial" pitchFamily="34" charset="-120"/>
               </a:rPr>
-              <a:t>Data: GWAS Catalog, USPTO Patents, KEGG Pathways (2000-2020)</a:t>
-            </a:r>
-            <a:endParaRPr lang="en-US" sz="900" dirty="0"/>
+              <a:t>GWAS Catalog, USPTO Patents, KEGG Pathways</a:t>
+            </a:r>
+            <a:endParaRPr lang="en-US" sz="800" dirty="0"/>
           </a:p>
         </p:txBody>
       </p:sp>
@@ -1596,7 +1675,7 @@
     <p:bg>
       <p:bgPr>
         <a:solidFill>
-          <a:srgbClr val="1C2833"/>
+          <a:srgbClr val="FFFFFF"/>
         </a:solidFill>
       </p:bgPr>
     </p:bg>
@@ -1616,43 +1695,13 @@
       </p:grpSpPr>
       <p:sp>
         <p:nvSpPr>
-          <p:cNvPr id="2" name="Text 0"/>
-          <p:cNvSpPr/>
-          <p:nvPr/>
-        </p:nvSpPr>
-        <p:spPr>
-          <a:xfrm>
-            <a:off x="0" y="0"/>
-            <a:ext cx="9144000" cy="946100"/>
-          </a:xfrm>
-          <a:prstGeom prst="rect">
-            <a:avLst/>
-          </a:prstGeom>
-          <a:solidFill>
-            <a:srgbClr val="2E4053"/>
-          </a:solidFill>
-          <a:ln/>
-        </p:spPr>
-        <p:txBody>
-          <a:bodyPr wrap="square" rtlCol="0" anchor="ctr"/>
-          <a:lstStyle/>
-          <a:p>
-            <a:pPr indent="0" marL="0">
-              <a:buNone/>
-            </a:pPr>
-            <a:endParaRPr lang="en-US" dirty="0"/>
-          </a:p>
-        </p:txBody>
-      </p:sp>
-      <p:sp>
-        <p:nvSpPr>
-          <p:cNvPr id="3" name="Shape 1"/>
-          <p:cNvSpPr/>
-          <p:nvPr/>
-        </p:nvSpPr>
-        <p:spPr>
-          <a:xfrm>
-            <a:off x="0" y="927050"/>
+          <p:cNvPr id="2" name="Shape 0"/>
+          <p:cNvSpPr/>
+          <p:nvPr/>
+        </p:nvSpPr>
+        <p:spPr>
+          <a:xfrm>
+            <a:off x="0" y="787301"/>
             <a:ext cx="9144000" cy="0"/>
           </a:xfrm>
           <a:prstGeom prst="line">
@@ -1661,7 +1710,7 @@
           <a:noFill/>
           <a:ln w="38100">
             <a:solidFill>
-              <a:srgbClr val="F39C12"/>
+              <a:srgbClr val="1A3A5C"/>
             </a:solidFill>
             <a:prstDash val="solid"/>
           </a:ln>
@@ -1669,30 +1718,641 @@
       </p:sp>
       <p:sp>
         <p:nvSpPr>
+          <p:cNvPr id="3" name="Text 1"/>
+          <p:cNvSpPr/>
+          <p:nvPr/>
+        </p:nvSpPr>
+        <p:spPr>
+          <a:xfrm>
+            <a:off x="571500" y="253901"/>
+            <a:ext cx="8161020" cy="323850"/>
+          </a:xfrm>
+          <a:prstGeom prst="rect">
+            <a:avLst/>
+          </a:prstGeom>
+          <a:noFill/>
+          <a:ln/>
+        </p:spPr>
+        <p:txBody>
+          <a:bodyPr wrap="square" lIns="0" tIns="0" rIns="0" bIns="0" rtlCol="0" anchor="t"/>
+          <a:lstStyle/>
+          <a:p>
+            <a:pPr algn="l" indent="0" marL="0">
+              <a:buNone/>
+            </a:pPr>
+            <a:r>
+              <a:rPr lang="en-US" sz="2200" b="1" dirty="0">
+                <a:solidFill>
+                  <a:srgbClr val="1A3A5C"/>
+                </a:solidFill>
+                <a:latin typeface="Arial" pitchFamily="34" charset="0"/>
+                <a:ea typeface="Arial" pitchFamily="34" charset="-122"/>
+                <a:cs typeface="Arial" pitchFamily="34" charset="-120"/>
+              </a:rPr>
+              <a:t>A Framework for Measuring Knowledge Spillovers</a:t>
+            </a:r>
+            <a:endParaRPr lang="en-US" sz="2200" dirty="0"/>
+          </a:p>
+        </p:txBody>
+      </p:sp>
+      <p:sp>
+        <p:nvSpPr>
           <p:cNvPr id="4" name="Text 2"/>
           <p:cNvSpPr/>
           <p:nvPr/>
         </p:nvSpPr>
         <p:spPr>
           <a:xfrm>
-            <a:off x="507950" y="190500"/>
-            <a:ext cx="8290661" cy="323850"/>
-          </a:xfrm>
-          <a:prstGeom prst="rect">
-            <a:avLst/>
-          </a:prstGeom>
-          <a:noFill/>
+            <a:off x="571500" y="1034951"/>
+            <a:ext cx="8001000" cy="766763"/>
+          </a:xfrm>
+          <a:prstGeom prst="rect">
+            <a:avLst/>
+          </a:prstGeom>
+          <a:solidFill>
+            <a:srgbClr val="F7F9FB"/>
+          </a:solidFill>
           <a:ln/>
         </p:spPr>
         <p:txBody>
+          <a:bodyPr wrap="square" rtlCol="0" anchor="ctr"/>
+          <a:lstStyle/>
+          <a:p>
+            <a:pPr indent="0" marL="0">
+              <a:buNone/>
+            </a:pPr>
+            <a:endParaRPr lang="en-US" dirty="0"/>
+          </a:p>
+        </p:txBody>
+      </p:sp>
+      <p:sp>
+        <p:nvSpPr>
+          <p:cNvPr id="5" name="Shape 3"/>
+          <p:cNvSpPr/>
+          <p:nvPr/>
+        </p:nvSpPr>
+        <p:spPr>
+          <a:xfrm>
+            <a:off x="595313" y="1034951"/>
+            <a:ext cx="0" cy="766762"/>
+          </a:xfrm>
+          <a:prstGeom prst="line">
+            <a:avLst/>
+          </a:prstGeom>
+          <a:noFill/>
+          <a:ln w="47625">
+            <a:solidFill>
+              <a:srgbClr val="1A3A5C"/>
+            </a:solidFill>
+            <a:prstDash val="solid"/>
+          </a:ln>
+        </p:spPr>
+      </p:sp>
+      <p:sp>
+        <p:nvSpPr>
+          <p:cNvPr id="6" name="Text 4"/>
+          <p:cNvSpPr/>
+          <p:nvPr/>
+        </p:nvSpPr>
+        <p:spPr>
+          <a:xfrm>
+            <a:off x="847725" y="1187351"/>
+            <a:ext cx="7646099" cy="461963"/>
+          </a:xfrm>
+          <a:prstGeom prst="rect">
+            <a:avLst/>
+          </a:prstGeom>
+          <a:noFill/>
+          <a:ln/>
+        </p:spPr>
+        <p:txBody>
           <a:bodyPr wrap="square" lIns="0" tIns="0" rIns="0" bIns="0" rtlCol="0" anchor="t"/>
           <a:lstStyle/>
           <a:p>
             <a:pPr algn="l" indent="0" marL="0">
-              <a:buNone/>
-            </a:pPr>
-            <a:r>
-              <a:rPr lang="en-US" sz="2200" b="1" dirty="0">
+              <a:lnSpc>
+                <a:spcPts val="1820"/>
+              </a:lnSpc>
+              <a:buNone/>
+            </a:pPr>
+            <a:r>
+              <a:rPr lang="en-US" sz="1300" dirty="0">
+                <a:solidFill>
+                  <a:srgbClr val="1A3A5C"/>
+                </a:solidFill>
+                <a:latin typeface="Arial" pitchFamily="34" charset="0"/>
+                <a:ea typeface="Arial" pitchFamily="34" charset="-122"/>
+                <a:cs typeface="Arial" pitchFamily="34" charset="-120"/>
+              </a:rPr>
+              <a:t>We construct a "landscape model" mapping gene-disease relationships through biological pathways and disease taxonomies—enabling rigorous measurement of how scientific knowledge propagates.</a:t>
+            </a:r>
+            <a:endParaRPr lang="en-US" sz="1300" dirty="0"/>
+          </a:p>
+        </p:txBody>
+      </p:sp>
+      <p:sp>
+        <p:nvSpPr>
+          <p:cNvPr id="7" name="Text 5"/>
+          <p:cNvSpPr/>
+          <p:nvPr/>
+        </p:nvSpPr>
+        <p:spPr>
+          <a:xfrm>
+            <a:off x="908000" y="2547789"/>
+            <a:ext cx="2070050" cy="697706"/>
+          </a:xfrm>
+          <a:prstGeom prst="rect">
+            <a:avLst/>
+          </a:prstGeom>
+          <a:solidFill>
+            <a:srgbClr val="F7F9FB"/>
+          </a:solidFill>
+          <a:ln w="19050">
+            <a:solidFill>
+              <a:srgbClr val="1A3A5C"/>
+            </a:solidFill>
+          </a:ln>
+        </p:spPr>
+        <p:txBody>
+          <a:bodyPr wrap="square" rtlCol="0" anchor="ctr"/>
+          <a:lstStyle/>
+          <a:p>
+            <a:pPr indent="0" marL="0">
+              <a:buNone/>
+            </a:pPr>
+            <a:endParaRPr lang="en-US" dirty="0"/>
+          </a:p>
+        </p:txBody>
+      </p:sp>
+      <p:sp>
+        <p:nvSpPr>
+          <p:cNvPr id="8" name="Text 6"/>
+          <p:cNvSpPr/>
+          <p:nvPr/>
+        </p:nvSpPr>
+        <p:spPr>
+          <a:xfrm>
+            <a:off x="1101041" y="2719239"/>
+            <a:ext cx="1683969" cy="142875"/>
+          </a:xfrm>
+          <a:prstGeom prst="rect">
+            <a:avLst/>
+          </a:prstGeom>
+          <a:noFill/>
+          <a:ln/>
+        </p:spPr>
+        <p:txBody>
+          <a:bodyPr wrap="square" lIns="0" tIns="0" rIns="0" bIns="0" rtlCol="0" anchor="t"/>
+          <a:lstStyle/>
+          <a:p>
+            <a:pPr algn="ctr" indent="0" marL="0">
+              <a:spcAft>
+                <a:spcPts val="500"/>
+              </a:spcAft>
+              <a:buNone/>
+            </a:pPr>
+            <a:r>
+              <a:rPr lang="en-US" sz="1000" b="1" dirty="0">
+                <a:solidFill>
+                  <a:srgbClr val="1A3A5C"/>
+                </a:solidFill>
+                <a:latin typeface="Arial" pitchFamily="34" charset="0"/>
+                <a:ea typeface="Arial" pitchFamily="34" charset="-122"/>
+                <a:cs typeface="Arial" pitchFamily="34" charset="-120"/>
+              </a:rPr>
+              <a:t>GWAS DISCOVERY</a:t>
+            </a:r>
+            <a:endParaRPr lang="en-US" sz="1000" dirty="0"/>
+          </a:p>
+        </p:txBody>
+      </p:sp>
+      <p:sp>
+        <p:nvSpPr>
+          <p:cNvPr id="9" name="Text 7"/>
+          <p:cNvSpPr/>
+          <p:nvPr/>
+        </p:nvSpPr>
+        <p:spPr>
+          <a:xfrm>
+            <a:off x="1101041" y="2925514"/>
+            <a:ext cx="1683969" cy="148530"/>
+          </a:xfrm>
+          <a:prstGeom prst="rect">
+            <a:avLst/>
+          </a:prstGeom>
+          <a:noFill/>
+          <a:ln/>
+        </p:spPr>
+        <p:txBody>
+          <a:bodyPr wrap="square" lIns="0" tIns="0" rIns="0" bIns="0" rtlCol="0" anchor="t"/>
+          <a:lstStyle/>
+          <a:p>
+            <a:pPr algn="ctr" indent="0" marL="0">
+              <a:lnSpc>
+                <a:spcPts val="1170"/>
+              </a:lnSpc>
+              <a:buNone/>
+            </a:pPr>
+            <a:r>
+              <a:rPr lang="en-US" sz="900" dirty="0">
+                <a:solidFill>
+                  <a:srgbClr val="555555"/>
+                </a:solidFill>
+                <a:latin typeface="Arial" pitchFamily="34" charset="0"/>
+                <a:ea typeface="Arial" pitchFamily="34" charset="-122"/>
+                <a:cs typeface="Arial" pitchFamily="34" charset="-120"/>
+              </a:rPr>
+              <a:t>Gene A linked to Disease X</a:t>
+            </a:r>
+            <a:endParaRPr lang="en-US" sz="900" dirty="0"/>
+          </a:p>
+        </p:txBody>
+      </p:sp>
+      <p:sp>
+        <p:nvSpPr>
+          <p:cNvPr id="10" name="Text 8"/>
+          <p:cNvSpPr/>
+          <p:nvPr/>
+        </p:nvSpPr>
+        <p:spPr>
+          <a:xfrm>
+            <a:off x="2978051" y="2749004"/>
+            <a:ext cx="570027" cy="295275"/>
+          </a:xfrm>
+          <a:prstGeom prst="rect">
+            <a:avLst/>
+          </a:prstGeom>
+          <a:noFill/>
+          <a:ln/>
+        </p:spPr>
+        <p:txBody>
+          <a:bodyPr wrap="square" lIns="152400" tIns="0" rIns="152400" bIns="0" rtlCol="0" anchor="t"/>
+          <a:lstStyle/>
+          <a:p>
+            <a:pPr algn="l" indent="0" marL="0">
+              <a:spcBef>
+                <a:spcPts val="2000"/>
+              </a:spcBef>
+              <a:spcAft>
+                <a:spcPts val="2000"/>
+              </a:spcAft>
+              <a:buNone/>
+            </a:pPr>
+            <a:r>
+              <a:rPr lang="en-US" sz="2000" dirty="0">
+                <a:solidFill>
+                  <a:srgbClr val="1A3A5C"/>
+                </a:solidFill>
+                <a:latin typeface="Arial" pitchFamily="34" charset="0"/>
+                <a:ea typeface="Arial" pitchFamily="34" charset="-122"/>
+                <a:cs typeface="Arial" pitchFamily="34" charset="-120"/>
+              </a:rPr>
+              <a:t>→</a:t>
+            </a:r>
+            <a:endParaRPr lang="en-US" sz="2000" dirty="0"/>
+          </a:p>
+        </p:txBody>
+      </p:sp>
+      <p:sp>
+        <p:nvSpPr>
+          <p:cNvPr id="11" name="Text 9"/>
+          <p:cNvSpPr/>
+          <p:nvPr/>
+        </p:nvSpPr>
+        <p:spPr>
+          <a:xfrm>
+            <a:off x="3536900" y="2473523"/>
+            <a:ext cx="2070050" cy="846237"/>
+          </a:xfrm>
+          <a:prstGeom prst="rect">
+            <a:avLst/>
+          </a:prstGeom>
+          <a:solidFill>
+            <a:srgbClr val="F7F9FB"/>
+          </a:solidFill>
+          <a:ln w="19050">
+            <a:solidFill>
+              <a:srgbClr val="1A3A5C"/>
+            </a:solidFill>
+          </a:ln>
+        </p:spPr>
+        <p:txBody>
+          <a:bodyPr wrap="square" rtlCol="0" anchor="ctr"/>
+          <a:lstStyle/>
+          <a:p>
+            <a:pPr indent="0" marL="0">
+              <a:buNone/>
+            </a:pPr>
+            <a:endParaRPr lang="en-US" dirty="0"/>
+          </a:p>
+        </p:txBody>
+      </p:sp>
+      <p:sp>
+        <p:nvSpPr>
+          <p:cNvPr id="12" name="Text 10"/>
+          <p:cNvSpPr/>
+          <p:nvPr/>
+        </p:nvSpPr>
+        <p:spPr>
+          <a:xfrm>
+            <a:off x="3729941" y="2644973"/>
+            <a:ext cx="1683969" cy="142875"/>
+          </a:xfrm>
+          <a:prstGeom prst="rect">
+            <a:avLst/>
+          </a:prstGeom>
+          <a:noFill/>
+          <a:ln/>
+        </p:spPr>
+        <p:txBody>
+          <a:bodyPr wrap="square" lIns="0" tIns="0" rIns="0" bIns="0" rtlCol="0" anchor="t"/>
+          <a:lstStyle/>
+          <a:p>
+            <a:pPr algn="ctr" indent="0" marL="0">
+              <a:spcAft>
+                <a:spcPts val="500"/>
+              </a:spcAft>
+              <a:buNone/>
+            </a:pPr>
+            <a:r>
+              <a:rPr lang="en-US" sz="1000" b="1" dirty="0">
+                <a:solidFill>
+                  <a:srgbClr val="1A3A5C"/>
+                </a:solidFill>
+                <a:latin typeface="Arial" pitchFamily="34" charset="0"/>
+                <a:ea typeface="Arial" pitchFamily="34" charset="-122"/>
+                <a:cs typeface="Arial" pitchFamily="34" charset="-120"/>
+              </a:rPr>
+              <a:t>PATHWAY NETWORK</a:t>
+            </a:r>
+            <a:endParaRPr lang="en-US" sz="1000" dirty="0"/>
+          </a:p>
+        </p:txBody>
+      </p:sp>
+      <p:sp>
+        <p:nvSpPr>
+          <p:cNvPr id="13" name="Text 11"/>
+          <p:cNvSpPr/>
+          <p:nvPr/>
+        </p:nvSpPr>
+        <p:spPr>
+          <a:xfrm>
+            <a:off x="3729941" y="2851249"/>
+            <a:ext cx="1683969" cy="297061"/>
+          </a:xfrm>
+          <a:prstGeom prst="rect">
+            <a:avLst/>
+          </a:prstGeom>
+          <a:noFill/>
+          <a:ln/>
+        </p:spPr>
+        <p:txBody>
+          <a:bodyPr wrap="square" lIns="0" tIns="0" rIns="0" bIns="0" rtlCol="0" anchor="t"/>
+          <a:lstStyle/>
+          <a:p>
+            <a:pPr algn="ctr" indent="0" marL="0">
+              <a:lnSpc>
+                <a:spcPts val="1170"/>
+              </a:lnSpc>
+              <a:buNone/>
+            </a:pPr>
+            <a:r>
+              <a:rPr lang="en-US" sz="900" dirty="0">
+                <a:solidFill>
+                  <a:srgbClr val="555555"/>
+                </a:solidFill>
+                <a:latin typeface="Arial" pitchFamily="34" charset="0"/>
+                <a:ea typeface="Arial" pitchFamily="34" charset="-122"/>
+                <a:cs typeface="Arial" pitchFamily="34" charset="-120"/>
+              </a:rPr>
+              <a:t>Biological connections to related genes</a:t>
+            </a:r>
+            <a:endParaRPr lang="en-US" sz="900" dirty="0"/>
+          </a:p>
+        </p:txBody>
+      </p:sp>
+      <p:sp>
+        <p:nvSpPr>
+          <p:cNvPr id="14" name="Text 12"/>
+          <p:cNvSpPr/>
+          <p:nvPr/>
+        </p:nvSpPr>
+        <p:spPr>
+          <a:xfrm>
+            <a:off x="5606951" y="2749004"/>
+            <a:ext cx="570027" cy="295275"/>
+          </a:xfrm>
+          <a:prstGeom prst="rect">
+            <a:avLst/>
+          </a:prstGeom>
+          <a:noFill/>
+          <a:ln/>
+        </p:spPr>
+        <p:txBody>
+          <a:bodyPr wrap="square" lIns="152400" tIns="0" rIns="152400" bIns="0" rtlCol="0" anchor="t"/>
+          <a:lstStyle/>
+          <a:p>
+            <a:pPr algn="l" indent="0" marL="0">
+              <a:spcBef>
+                <a:spcPts val="2000"/>
+              </a:spcBef>
+              <a:spcAft>
+                <a:spcPts val="2000"/>
+              </a:spcAft>
+              <a:buNone/>
+            </a:pPr>
+            <a:r>
+              <a:rPr lang="en-US" sz="2000" dirty="0">
+                <a:solidFill>
+                  <a:srgbClr val="1A3A5C"/>
+                </a:solidFill>
+                <a:latin typeface="Arial" pitchFamily="34" charset="0"/>
+                <a:ea typeface="Arial" pitchFamily="34" charset="-122"/>
+                <a:cs typeface="Arial" pitchFamily="34" charset="-120"/>
+              </a:rPr>
+              <a:t>→</a:t>
+            </a:r>
+            <a:endParaRPr lang="en-US" sz="2000" dirty="0"/>
+          </a:p>
+        </p:txBody>
+      </p:sp>
+      <p:sp>
+        <p:nvSpPr>
+          <p:cNvPr id="15" name="Text 13"/>
+          <p:cNvSpPr/>
+          <p:nvPr/>
+        </p:nvSpPr>
+        <p:spPr>
+          <a:xfrm>
+            <a:off x="6165800" y="2473523"/>
+            <a:ext cx="2070050" cy="846237"/>
+          </a:xfrm>
+          <a:prstGeom prst="rect">
+            <a:avLst/>
+          </a:prstGeom>
+          <a:solidFill>
+            <a:srgbClr val="F7F9FB"/>
+          </a:solidFill>
+          <a:ln w="19050">
+            <a:solidFill>
+              <a:srgbClr val="1A3A5C"/>
+            </a:solidFill>
+          </a:ln>
+        </p:spPr>
+        <p:txBody>
+          <a:bodyPr wrap="square" rtlCol="0" anchor="ctr"/>
+          <a:lstStyle/>
+          <a:p>
+            <a:pPr indent="0" marL="0">
+              <a:buNone/>
+            </a:pPr>
+            <a:endParaRPr lang="en-US" dirty="0"/>
+          </a:p>
+        </p:txBody>
+      </p:sp>
+      <p:sp>
+        <p:nvSpPr>
+          <p:cNvPr id="16" name="Text 14"/>
+          <p:cNvSpPr/>
+          <p:nvPr/>
+        </p:nvSpPr>
+        <p:spPr>
+          <a:xfrm>
+            <a:off x="6358841" y="2644973"/>
+            <a:ext cx="1683969" cy="142875"/>
+          </a:xfrm>
+          <a:prstGeom prst="rect">
+            <a:avLst/>
+          </a:prstGeom>
+          <a:noFill/>
+          <a:ln/>
+        </p:spPr>
+        <p:txBody>
+          <a:bodyPr wrap="square" lIns="0" tIns="0" rIns="0" bIns="0" rtlCol="0" anchor="t"/>
+          <a:lstStyle/>
+          <a:p>
+            <a:pPr algn="ctr" indent="0" marL="0">
+              <a:spcAft>
+                <a:spcPts val="500"/>
+              </a:spcAft>
+              <a:buNone/>
+            </a:pPr>
+            <a:r>
+              <a:rPr lang="en-US" sz="1000" b="1" dirty="0">
+                <a:solidFill>
+                  <a:srgbClr val="1A3A5C"/>
+                </a:solidFill>
+                <a:latin typeface="Arial" pitchFamily="34" charset="0"/>
+                <a:ea typeface="Arial" pitchFamily="34" charset="-122"/>
+                <a:cs typeface="Arial" pitchFamily="34" charset="-120"/>
+              </a:rPr>
+              <a:t>SPILLOVER IMPACT</a:t>
+            </a:r>
+            <a:endParaRPr lang="en-US" sz="1000" dirty="0"/>
+          </a:p>
+        </p:txBody>
+      </p:sp>
+      <p:sp>
+        <p:nvSpPr>
+          <p:cNvPr id="17" name="Text 15"/>
+          <p:cNvSpPr/>
+          <p:nvPr/>
+        </p:nvSpPr>
+        <p:spPr>
+          <a:xfrm>
+            <a:off x="6358841" y="2851249"/>
+            <a:ext cx="1683969" cy="297061"/>
+          </a:xfrm>
+          <a:prstGeom prst="rect">
+            <a:avLst/>
+          </a:prstGeom>
+          <a:noFill/>
+          <a:ln/>
+        </p:spPr>
+        <p:txBody>
+          <a:bodyPr wrap="square" lIns="0" tIns="0" rIns="0" bIns="0" rtlCol="0" anchor="t"/>
+          <a:lstStyle/>
+          <a:p>
+            <a:pPr algn="ctr" indent="0" marL="0">
+              <a:lnSpc>
+                <a:spcPts val="1170"/>
+              </a:lnSpc>
+              <a:buNone/>
+            </a:pPr>
+            <a:r>
+              <a:rPr lang="en-US" sz="900" dirty="0">
+                <a:solidFill>
+                  <a:srgbClr val="555555"/>
+                </a:solidFill>
+                <a:latin typeface="Arial" pitchFamily="34" charset="0"/>
+                <a:ea typeface="Arial" pitchFamily="34" charset="-122"/>
+                <a:cs typeface="Arial" pitchFamily="34" charset="-120"/>
+              </a:rPr>
+              <a:t>Innovation in related gene-disease pairs</a:t>
+            </a:r>
+            <a:endParaRPr lang="en-US" sz="900" dirty="0"/>
+          </a:p>
+        </p:txBody>
+      </p:sp>
+      <p:sp>
+        <p:nvSpPr>
+          <p:cNvPr id="18" name="Text 16"/>
+          <p:cNvSpPr/>
+          <p:nvPr/>
+        </p:nvSpPr>
+        <p:spPr>
+          <a:xfrm>
+            <a:off x="571500" y="3762970"/>
+            <a:ext cx="8001000" cy="850404"/>
+          </a:xfrm>
+          <a:prstGeom prst="rect">
+            <a:avLst/>
+          </a:prstGeom>
+          <a:solidFill>
+            <a:srgbClr val="1A3A5C"/>
+          </a:solidFill>
+          <a:ln/>
+        </p:spPr>
+        <p:txBody>
+          <a:bodyPr wrap="square" rtlCol="0" anchor="ctr"/>
+          <a:lstStyle/>
+          <a:p>
+            <a:pPr indent="0" marL="0">
+              <a:buNone/>
+            </a:pPr>
+            <a:endParaRPr lang="en-US" dirty="0"/>
+          </a:p>
+        </p:txBody>
+      </p:sp>
+      <p:sp>
+        <p:nvSpPr>
+          <p:cNvPr id="19" name="Text 17"/>
+          <p:cNvSpPr/>
+          <p:nvPr/>
+        </p:nvSpPr>
+        <p:spPr>
+          <a:xfrm>
+            <a:off x="825401" y="3915370"/>
+            <a:ext cx="7643062" cy="152400"/>
+          </a:xfrm>
+          <a:prstGeom prst="rect">
+            <a:avLst/>
+          </a:prstGeom>
+          <a:noFill/>
+          <a:ln/>
+        </p:spPr>
+        <p:txBody>
+          <a:bodyPr wrap="square" lIns="0" tIns="0" rIns="0" bIns="0" rtlCol="0" anchor="t"/>
+          <a:lstStyle/>
+          <a:p>
+            <a:pPr algn="l" indent="0" marL="0">
+              <a:spcAft>
+                <a:spcPts val="500"/>
+              </a:spcAft>
+              <a:buNone/>
+            </a:pPr>
+            <a:r>
+              <a:rPr lang="en-US" sz="1100" b="1" dirty="0">
                 <a:solidFill>
                   <a:srgbClr val="FFFFFF"/>
                 </a:solidFill>
@@ -1700,22 +2360,22 @@
                 <a:ea typeface="Arial" pitchFamily="34" charset="-122"/>
                 <a:cs typeface="Arial" pitchFamily="34" charset="-120"/>
               </a:rPr>
-              <a:t>A Novel Landscape Model for Gene-Disease Relationships</a:t>
-            </a:r>
-            <a:endParaRPr lang="en-US" sz="2200" dirty="0"/>
-          </a:p>
-        </p:txBody>
-      </p:sp>
-      <p:sp>
-        <p:nvSpPr>
-          <p:cNvPr id="5" name="Text 3"/>
-          <p:cNvSpPr/>
-          <p:nvPr/>
-        </p:nvSpPr>
-        <p:spPr>
-          <a:xfrm>
-            <a:off x="507950" y="565100"/>
-            <a:ext cx="8290661" cy="152400"/>
+              <a:t>IMPLICATION FOR NLM</a:t>
+            </a:r>
+            <a:endParaRPr lang="en-US" sz="1100" dirty="0"/>
+          </a:p>
+        </p:txBody>
+      </p:sp>
+      <p:sp>
+        <p:nvSpPr>
+          <p:cNvPr id="20" name="Text 18"/>
+          <p:cNvSpPr/>
+          <p:nvPr/>
+        </p:nvSpPr>
+        <p:spPr>
+          <a:xfrm>
+            <a:off x="825401" y="4131171"/>
+            <a:ext cx="7643062" cy="329803"/>
           </a:xfrm>
           <a:prstGeom prst="rect">
             <a:avLst/>
@@ -1728,76 +2388,44 @@
           <a:lstStyle/>
           <a:p>
             <a:pPr algn="l" indent="0" marL="0">
-              <a:spcBef>
-                <a:spcPts val="400"/>
-              </a:spcBef>
-              <a:buNone/>
-            </a:pPr>
-            <a:r>
-              <a:rPr lang="en-US" sz="1100" dirty="0">
+              <a:lnSpc>
+                <a:spcPts val="1300"/>
+              </a:lnSpc>
+              <a:buNone/>
+            </a:pPr>
+            <a:r>
+              <a:rPr lang="en-US" sz="1000" dirty="0">
                 <a:solidFill>
-                  <a:srgbClr val="AAB7B8"/>
+                  <a:srgbClr val="D0D8E0"/>
                 </a:solidFill>
                 <a:latin typeface="Arial" pitchFamily="34" charset="0"/>
                 <a:ea typeface="Arial" pitchFamily="34" charset="-122"/>
                 <a:cs typeface="Arial" pitchFamily="34" charset="-120"/>
               </a:rPr>
-              <a:t>Quantifying Knowledge Proximity Through Biological Networks</a:t>
-            </a:r>
-            <a:endParaRPr lang="en-US" sz="1100" dirty="0"/>
-          </a:p>
-        </p:txBody>
-      </p:sp>
-      <p:sp>
-        <p:nvSpPr>
-          <p:cNvPr id="6" name="Text 4"/>
-          <p:cNvSpPr/>
-          <p:nvPr/>
-        </p:nvSpPr>
-        <p:spPr>
-          <a:xfrm>
-            <a:off x="507950" y="1136600"/>
-            <a:ext cx="2540050" cy="1504355"/>
-          </a:xfrm>
-          <a:prstGeom prst="roundRect">
-            <a:avLst>
-              <a:gd name="adj" fmla="val 5065"/>
-            </a:avLst>
-          </a:prstGeom>
-          <a:solidFill>
-            <a:srgbClr val="2E4053"/>
-          </a:solidFill>
-          <a:ln/>
-        </p:spPr>
-        <p:txBody>
-          <a:bodyPr wrap="square" rtlCol="0" anchor="ctr"/>
-          <a:lstStyle/>
-          <a:p>
-            <a:pPr indent="0" marL="0">
-              <a:buNone/>
-            </a:pPr>
-            <a:endParaRPr lang="en-US" dirty="0"/>
-          </a:p>
-        </p:txBody>
-      </p:sp>
-      <p:sp>
-        <p:nvSpPr>
-          <p:cNvPr id="7" name="Shape 5"/>
-          <p:cNvSpPr/>
-          <p:nvPr/>
-        </p:nvSpPr>
-        <p:spPr>
-          <a:xfrm>
-            <a:off x="507950" y="1155650"/>
-            <a:ext cx="2540050" cy="0"/>
+              <a:t>This framework provides evidence-based tools to assess the true return on genomic research investments—capturing value that traditional metrics miss.</a:t>
+            </a:r>
+            <a:endParaRPr lang="en-US" sz="1000" dirty="0"/>
+          </a:p>
+        </p:txBody>
+      </p:sp>
+      <p:sp>
+        <p:nvSpPr>
+          <p:cNvPr id="21" name="Shape 19"/>
+          <p:cNvSpPr/>
+          <p:nvPr/>
+        </p:nvSpPr>
+        <p:spPr>
+          <a:xfrm>
+            <a:off x="0" y="4770537"/>
+            <a:ext cx="9144000" cy="0"/>
           </a:xfrm>
           <a:prstGeom prst="line">
             <a:avLst/>
           </a:prstGeom>
           <a:noFill/>
-          <a:ln w="38100">
+          <a:ln w="9525">
             <a:solidFill>
-              <a:srgbClr val="F39C12"/>
+              <a:srgbClr val="DDDDDD"/>
             </a:solidFill>
             <a:prstDash val="solid"/>
           </a:ln>
@@ -1805,14 +2433,14 @@
       </p:sp>
       <p:sp>
         <p:nvSpPr>
-          <p:cNvPr id="8" name="Text 6"/>
-          <p:cNvSpPr/>
-          <p:nvPr/>
-        </p:nvSpPr>
-        <p:spPr>
-          <a:xfrm>
-            <a:off x="685651" y="1327100"/>
-            <a:ext cx="2228341" cy="171450"/>
+          <p:cNvPr id="22" name="Text 20"/>
+          <p:cNvSpPr/>
+          <p:nvPr/>
+        </p:nvSpPr>
+        <p:spPr>
+          <a:xfrm>
+            <a:off x="571500" y="4902250"/>
+            <a:ext cx="8161020" cy="114300"/>
           </a:xfrm>
           <a:prstGeom prst="rect">
             <a:avLst/>
@@ -1825,814 +2453,18 @@
           <a:lstStyle/>
           <a:p>
             <a:pPr algn="l" indent="0" marL="0">
-              <a:spcAft>
-                <a:spcPts val="600"/>
-              </a:spcAft>
-              <a:buNone/>
-            </a:pPr>
-            <a:r>
-              <a:rPr lang="en-US" sz="1200" b="1" dirty="0">
+              <a:buNone/>
+            </a:pPr>
+            <a:r>
+              <a:rPr lang="en-US" sz="800" dirty="0">
                 <a:solidFill>
-                  <a:srgbClr val="F39C12"/>
+                  <a:srgbClr val="888888"/>
                 </a:solidFill>
                 <a:latin typeface="Arial" pitchFamily="34" charset="0"/>
                 <a:ea typeface="Arial" pitchFamily="34" charset="-122"/>
                 <a:cs typeface="Arial" pitchFamily="34" charset="-120"/>
               </a:rPr>
-              <a:t>Pathway Distance (KEGG)</a:t>
-            </a:r>
-            <a:endParaRPr lang="en-US" sz="1200" dirty="0"/>
-          </a:p>
-        </p:txBody>
-      </p:sp>
-      <p:sp>
-        <p:nvSpPr>
-          <p:cNvPr id="9" name="Text 7"/>
-          <p:cNvSpPr/>
-          <p:nvPr/>
-        </p:nvSpPr>
-        <p:spPr>
-          <a:xfrm>
-            <a:off x="685651" y="1574750"/>
-            <a:ext cx="2184648" cy="863054"/>
-          </a:xfrm>
-          <a:prstGeom prst="rect">
-            <a:avLst/>
-          </a:prstGeom>
-          <a:noFill/>
-          <a:ln/>
-        </p:spPr>
-        <p:txBody>
-          <a:bodyPr wrap="square" lIns="76200" tIns="0" rIns="0" bIns="0" rtlCol="0" anchor="t"/>
-          <a:lstStyle/>
-          <a:p>
-            <a:pPr algn="l" marL="76200" indent="-76200">
-              <a:lnSpc>
-                <a:spcPts val="1400"/>
-              </a:lnSpc>
-              <a:spcAft>
-                <a:spcPts val="400"/>
-              </a:spcAft>
-              <a:buSzPct val="100000"/>
-              <a:buChar char="•"/>
-            </a:pPr>
-            <a:r>
-              <a:rPr lang="en-US" sz="1000" b="1" dirty="0">
-                <a:solidFill>
-                  <a:srgbClr val="F4F6F6"/>
-                </a:solidFill>
-                <a:latin typeface="Arial" pitchFamily="34" charset="0"/>
-                <a:ea typeface="Arial" pitchFamily="34" charset="-122"/>
-                <a:cs typeface="Arial" pitchFamily="34" charset="-120"/>
-              </a:rPr>
-              <a:t>1-hop:</a:t>
-            </a:r>
-            <a:pPr algn="l" indent="0" marL="0">
-              <a:lnSpc>
-                <a:spcPts val="1400"/>
-              </a:lnSpc>
-              <a:spcAft>
-                <a:spcPts val="400"/>
-              </a:spcAft>
-              <a:buNone/>
-            </a:pPr>
-            <a:r>
-              <a:rPr lang="en-US" sz="1000" dirty="0">
-                <a:solidFill>
-                  <a:srgbClr val="F4F6F6"/>
-                </a:solidFill>
-                <a:latin typeface="Arial" pitchFamily="34" charset="0"/>
-                <a:ea typeface="Arial" pitchFamily="34" charset="-122"/>
-                <a:cs typeface="Arial" pitchFamily="34" charset="-120"/>
-              </a:rPr>
-              <a:t> Direct pathway neighbors</a:t>
-            </a:r>
-            <a:endParaRPr lang="en-US" sz="1000" dirty="0"/>
-          </a:p>
-          <a:p>
-            <a:pPr algn="l" marL="76200" indent="-76200">
-              <a:lnSpc>
-                <a:spcPts val="1400"/>
-              </a:lnSpc>
-              <a:spcAft>
-                <a:spcPts val="400"/>
-              </a:spcAft>
-              <a:buSzPct val="100000"/>
-              <a:buChar char="•"/>
-            </a:pPr>
-            <a:r>
-              <a:rPr lang="en-US" sz="1000" b="1" dirty="0">
-                <a:solidFill>
-                  <a:srgbClr val="F4F6F6"/>
-                </a:solidFill>
-                <a:latin typeface="Arial" pitchFamily="34" charset="0"/>
-                <a:ea typeface="Arial" pitchFamily="34" charset="-122"/>
-                <a:cs typeface="Arial" pitchFamily="34" charset="-120"/>
-              </a:rPr>
-              <a:t>2-hop:</a:t>
-            </a:r>
-            <a:pPr algn="l" indent="0" marL="0">
-              <a:lnSpc>
-                <a:spcPts val="1400"/>
-              </a:lnSpc>
-              <a:spcAft>
-                <a:spcPts val="400"/>
-              </a:spcAft>
-              <a:buNone/>
-            </a:pPr>
-            <a:r>
-              <a:rPr lang="en-US" sz="1000" dirty="0">
-                <a:solidFill>
-                  <a:srgbClr val="F4F6F6"/>
-                </a:solidFill>
-                <a:latin typeface="Arial" pitchFamily="34" charset="0"/>
-                <a:ea typeface="Arial" pitchFamily="34" charset="-122"/>
-                <a:cs typeface="Arial" pitchFamily="34" charset="-120"/>
-              </a:rPr>
-              <a:t> Shared pathway partners</a:t>
-            </a:r>
-            <a:endParaRPr lang="en-US" sz="1000" dirty="0"/>
-          </a:p>
-          <a:p>
-            <a:pPr algn="l" marL="76200" indent="-76200">
-              <a:lnSpc>
-                <a:spcPts val="1400"/>
-              </a:lnSpc>
-              <a:spcAft>
-                <a:spcPts val="400"/>
-              </a:spcAft>
-              <a:buSzPct val="100000"/>
-              <a:buChar char="•"/>
-            </a:pPr>
-            <a:r>
-              <a:rPr lang="en-US" sz="1000" b="1" dirty="0">
-                <a:solidFill>
-                  <a:srgbClr val="F4F6F6"/>
-                </a:solidFill>
-                <a:latin typeface="Arial" pitchFamily="34" charset="0"/>
-                <a:ea typeface="Arial" pitchFamily="34" charset="-122"/>
-                <a:cs typeface="Arial" pitchFamily="34" charset="-120"/>
-              </a:rPr>
-              <a:t>3-hop:</a:t>
-            </a:r>
-            <a:pPr algn="l" indent="0" marL="0">
-              <a:lnSpc>
-                <a:spcPts val="1400"/>
-              </a:lnSpc>
-              <a:spcAft>
-                <a:spcPts val="400"/>
-              </a:spcAft>
-              <a:buNone/>
-            </a:pPr>
-            <a:r>
-              <a:rPr lang="en-US" sz="1000" dirty="0">
-                <a:solidFill>
-                  <a:srgbClr val="F4F6F6"/>
-                </a:solidFill>
-                <a:latin typeface="Arial" pitchFamily="34" charset="0"/>
-                <a:ea typeface="Arial" pitchFamily="34" charset="-122"/>
-                <a:cs typeface="Arial" pitchFamily="34" charset="-120"/>
-              </a:rPr>
-              <a:t> Extended network</a:t>
-            </a:r>
-            <a:endParaRPr lang="en-US" sz="1000" dirty="0"/>
-          </a:p>
-          <a:p>
-            <a:pPr algn="l" marL="76200" indent="-76200">
-              <a:lnSpc>
-                <a:spcPts val="1400"/>
-              </a:lnSpc>
-              <a:spcAft>
-                <a:spcPts val="400"/>
-              </a:spcAft>
-              <a:buSzPct val="100000"/>
-              <a:buChar char="•"/>
-            </a:pPr>
-            <a:r>
-              <a:rPr lang="en-US" sz="1000" dirty="0">
-                <a:solidFill>
-                  <a:srgbClr val="F4F6F6"/>
-                </a:solidFill>
-                <a:latin typeface="Arial" pitchFamily="34" charset="0"/>
-                <a:ea typeface="Arial" pitchFamily="34" charset="-122"/>
-                <a:cs typeface="Arial" pitchFamily="34" charset="-120"/>
-              </a:rPr>
-              <a:t>30K+ genes, avg 31 connections</a:t>
-            </a:r>
-            <a:endParaRPr lang="en-US" sz="1000" dirty="0"/>
-          </a:p>
-        </p:txBody>
-      </p:sp>
-      <p:sp>
-        <p:nvSpPr>
-          <p:cNvPr id="10" name="Text 8"/>
-          <p:cNvSpPr/>
-          <p:nvPr/>
-        </p:nvSpPr>
-        <p:spPr>
-          <a:xfrm>
-            <a:off x="3301901" y="1136600"/>
-            <a:ext cx="2540198" cy="1504355"/>
-          </a:xfrm>
-          <a:prstGeom prst="roundRect">
-            <a:avLst>
-              <a:gd name="adj" fmla="val 5065"/>
-            </a:avLst>
-          </a:prstGeom>
-          <a:solidFill>
-            <a:srgbClr val="2E4053"/>
-          </a:solidFill>
-          <a:ln/>
-        </p:spPr>
-        <p:txBody>
-          <a:bodyPr wrap="square" rtlCol="0" anchor="ctr"/>
-          <a:lstStyle/>
-          <a:p>
-            <a:pPr indent="0" marL="0">
-              <a:buNone/>
-            </a:pPr>
-            <a:endParaRPr lang="en-US" dirty="0"/>
-          </a:p>
-        </p:txBody>
-      </p:sp>
-      <p:sp>
-        <p:nvSpPr>
-          <p:cNvPr id="11" name="Shape 9"/>
-          <p:cNvSpPr/>
-          <p:nvPr/>
-        </p:nvSpPr>
-        <p:spPr>
-          <a:xfrm>
-            <a:off x="3301901" y="1155650"/>
-            <a:ext cx="2540198" cy="0"/>
-          </a:xfrm>
-          <a:prstGeom prst="line">
-            <a:avLst/>
-          </a:prstGeom>
-          <a:noFill/>
-          <a:ln w="38100">
-            <a:solidFill>
-              <a:srgbClr val="F39C12"/>
-            </a:solidFill>
-            <a:prstDash val="solid"/>
-          </a:ln>
-        </p:spPr>
-      </p:sp>
-      <p:sp>
-        <p:nvSpPr>
-          <p:cNvPr id="12" name="Text 10"/>
-          <p:cNvSpPr/>
-          <p:nvPr/>
-        </p:nvSpPr>
-        <p:spPr>
-          <a:xfrm>
-            <a:off x="3479602" y="1327100"/>
-            <a:ext cx="2228493" cy="171450"/>
-          </a:xfrm>
-          <a:prstGeom prst="rect">
-            <a:avLst/>
-          </a:prstGeom>
-          <a:noFill/>
-          <a:ln/>
-        </p:spPr>
-        <p:txBody>
-          <a:bodyPr wrap="square" lIns="0" tIns="0" rIns="0" bIns="0" rtlCol="0" anchor="t"/>
-          <a:lstStyle/>
-          <a:p>
-            <a:pPr algn="l" indent="0" marL="0">
-              <a:spcAft>
-                <a:spcPts val="600"/>
-              </a:spcAft>
-              <a:buNone/>
-            </a:pPr>
-            <a:r>
-              <a:rPr lang="en-US" sz="1200" b="1" dirty="0">
-                <a:solidFill>
-                  <a:srgbClr val="F39C12"/>
-                </a:solidFill>
-                <a:latin typeface="Arial" pitchFamily="34" charset="0"/>
-                <a:ea typeface="Arial" pitchFamily="34" charset="-122"/>
-                <a:cs typeface="Arial" pitchFamily="34" charset="-120"/>
-              </a:rPr>
-              <a:t>Disease Hierarchy (MeSH)</a:t>
-            </a:r>
-            <a:endParaRPr lang="en-US" sz="1200" dirty="0"/>
-          </a:p>
-        </p:txBody>
-      </p:sp>
-      <p:sp>
-        <p:nvSpPr>
-          <p:cNvPr id="13" name="Text 11"/>
-          <p:cNvSpPr/>
-          <p:nvPr/>
-        </p:nvSpPr>
-        <p:spPr>
-          <a:xfrm>
-            <a:off x="3479602" y="1574750"/>
-            <a:ext cx="2184797" cy="863054"/>
-          </a:xfrm>
-          <a:prstGeom prst="rect">
-            <a:avLst/>
-          </a:prstGeom>
-          <a:noFill/>
-          <a:ln/>
-        </p:spPr>
-        <p:txBody>
-          <a:bodyPr wrap="square" lIns="76200" tIns="0" rIns="0" bIns="0" rtlCol="0" anchor="t"/>
-          <a:lstStyle/>
-          <a:p>
-            <a:pPr algn="l" marL="76200" indent="-76200">
-              <a:lnSpc>
-                <a:spcPts val="1400"/>
-              </a:lnSpc>
-              <a:spcAft>
-                <a:spcPts val="400"/>
-              </a:spcAft>
-              <a:buSzPct val="100000"/>
-              <a:buChar char="•"/>
-            </a:pPr>
-            <a:r>
-              <a:rPr lang="en-US" sz="1000" dirty="0">
-                <a:solidFill>
-                  <a:srgbClr val="F4F6F6"/>
-                </a:solidFill>
-                <a:latin typeface="Arial" pitchFamily="34" charset="0"/>
-                <a:ea typeface="Arial" pitchFamily="34" charset="-122"/>
-                <a:cs typeface="Arial" pitchFamily="34" charset="-120"/>
-              </a:rPr>
-              <a:t>Tree-structured taxonomy</a:t>
-            </a:r>
-            <a:endParaRPr lang="en-US" sz="1000" dirty="0"/>
-          </a:p>
-          <a:p>
-            <a:pPr algn="l" marL="76200" indent="-76200">
-              <a:lnSpc>
-                <a:spcPts val="1400"/>
-              </a:lnSpc>
-              <a:spcAft>
-                <a:spcPts val="400"/>
-              </a:spcAft>
-              <a:buSzPct val="100000"/>
-              <a:buChar char="•"/>
-            </a:pPr>
-            <a:r>
-              <a:rPr lang="en-US" sz="1000" dirty="0">
-                <a:solidFill>
-                  <a:srgbClr val="F4F6F6"/>
-                </a:solidFill>
-                <a:latin typeface="Arial" pitchFamily="34" charset="0"/>
-                <a:ea typeface="Arial" pitchFamily="34" charset="-122"/>
-                <a:cs typeface="Arial" pitchFamily="34" charset="-120"/>
-              </a:rPr>
-              <a:t>Levels 3-5 optimal granularity</a:t>
-            </a:r>
-            <a:endParaRPr lang="en-US" sz="1000" dirty="0"/>
-          </a:p>
-          <a:p>
-            <a:pPr algn="l" marL="76200" indent="-76200">
-              <a:lnSpc>
-                <a:spcPts val="1400"/>
-              </a:lnSpc>
-              <a:spcAft>
-                <a:spcPts val="400"/>
-              </a:spcAft>
-              <a:buSzPct val="100000"/>
-              <a:buChar char="•"/>
-            </a:pPr>
-            <a:r>
-              <a:rPr lang="en-US" sz="1000" dirty="0">
-                <a:solidFill>
-                  <a:srgbClr val="F4F6F6"/>
-                </a:solidFill>
-                <a:latin typeface="Arial" pitchFamily="34" charset="0"/>
-                <a:ea typeface="Arial" pitchFamily="34" charset="-122"/>
-                <a:cs typeface="Arial" pitchFamily="34" charset="-120"/>
-              </a:rPr>
-              <a:t>924 diseases mapped</a:t>
-            </a:r>
-            <a:endParaRPr lang="en-US" sz="1000" dirty="0"/>
-          </a:p>
-          <a:p>
-            <a:pPr algn="l" marL="76200" indent="-76200">
-              <a:lnSpc>
-                <a:spcPts val="1400"/>
-              </a:lnSpc>
-              <a:spcAft>
-                <a:spcPts val="400"/>
-              </a:spcAft>
-              <a:buSzPct val="100000"/>
-              <a:buChar char="•"/>
-            </a:pPr>
-            <a:r>
-              <a:rPr lang="en-US" sz="1000" dirty="0">
-                <a:solidFill>
-                  <a:srgbClr val="F4F6F6"/>
-                </a:solidFill>
-                <a:latin typeface="Arial" pitchFamily="34" charset="0"/>
-                <a:ea typeface="Arial" pitchFamily="34" charset="-122"/>
-                <a:cs typeface="Arial" pitchFamily="34" charset="-120"/>
-              </a:rPr>
-              <a:t>Fuzzy matching at 90%</a:t>
-            </a:r>
-            <a:endParaRPr lang="en-US" sz="1000" dirty="0"/>
-          </a:p>
-        </p:txBody>
-      </p:sp>
-      <p:sp>
-        <p:nvSpPr>
-          <p:cNvPr id="14" name="Text 12"/>
-          <p:cNvSpPr/>
-          <p:nvPr/>
-        </p:nvSpPr>
-        <p:spPr>
-          <a:xfrm>
-            <a:off x="6096000" y="1136600"/>
-            <a:ext cx="2540050" cy="1504355"/>
-          </a:xfrm>
-          <a:prstGeom prst="roundRect">
-            <a:avLst>
-              <a:gd name="adj" fmla="val 5065"/>
-            </a:avLst>
-          </a:prstGeom>
-          <a:solidFill>
-            <a:srgbClr val="2E4053"/>
-          </a:solidFill>
-          <a:ln/>
-        </p:spPr>
-        <p:txBody>
-          <a:bodyPr wrap="square" rtlCol="0" anchor="ctr"/>
-          <a:lstStyle/>
-          <a:p>
-            <a:pPr indent="0" marL="0">
-              <a:buNone/>
-            </a:pPr>
-            <a:endParaRPr lang="en-US" dirty="0"/>
-          </a:p>
-        </p:txBody>
-      </p:sp>
-      <p:sp>
-        <p:nvSpPr>
-          <p:cNvPr id="15" name="Shape 13"/>
-          <p:cNvSpPr/>
-          <p:nvPr/>
-        </p:nvSpPr>
-        <p:spPr>
-          <a:xfrm>
-            <a:off x="6096000" y="1155650"/>
-            <a:ext cx="2540050" cy="0"/>
-          </a:xfrm>
-          <a:prstGeom prst="line">
-            <a:avLst/>
-          </a:prstGeom>
-          <a:noFill/>
-          <a:ln w="38100">
-            <a:solidFill>
-              <a:srgbClr val="F39C12"/>
-            </a:solidFill>
-            <a:prstDash val="solid"/>
-          </a:ln>
-        </p:spPr>
-      </p:sp>
-      <p:sp>
-        <p:nvSpPr>
-          <p:cNvPr id="16" name="Text 14"/>
-          <p:cNvSpPr/>
-          <p:nvPr/>
-        </p:nvSpPr>
-        <p:spPr>
-          <a:xfrm>
-            <a:off x="6273701" y="1327100"/>
-            <a:ext cx="2228341" cy="171450"/>
-          </a:xfrm>
-          <a:prstGeom prst="rect">
-            <a:avLst/>
-          </a:prstGeom>
-          <a:noFill/>
-          <a:ln/>
-        </p:spPr>
-        <p:txBody>
-          <a:bodyPr wrap="square" lIns="0" tIns="0" rIns="0" bIns="0" rtlCol="0" anchor="t"/>
-          <a:lstStyle/>
-          <a:p>
-            <a:pPr algn="l" indent="0" marL="0">
-              <a:spcAft>
-                <a:spcPts val="600"/>
-              </a:spcAft>
-              <a:buNone/>
-            </a:pPr>
-            <a:r>
-              <a:rPr lang="en-US" sz="1200" b="1" dirty="0">
-                <a:solidFill>
-                  <a:srgbClr val="F39C12"/>
-                </a:solidFill>
-                <a:latin typeface="Arial" pitchFamily="34" charset="0"/>
-                <a:ea typeface="Arial" pitchFamily="34" charset="-122"/>
-                <a:cs typeface="Arial" pitchFamily="34" charset="-120"/>
-              </a:rPr>
-              <a:t>Patent-Gene-Disease</a:t>
-            </a:r>
-            <a:endParaRPr lang="en-US" sz="1200" dirty="0"/>
-          </a:p>
-        </p:txBody>
-      </p:sp>
-      <p:sp>
-        <p:nvSpPr>
-          <p:cNvPr id="17" name="Text 15"/>
-          <p:cNvSpPr/>
-          <p:nvPr/>
-        </p:nvSpPr>
-        <p:spPr>
-          <a:xfrm>
-            <a:off x="6273701" y="1574750"/>
-            <a:ext cx="2184648" cy="863054"/>
-          </a:xfrm>
-          <a:prstGeom prst="rect">
-            <a:avLst/>
-          </a:prstGeom>
-          <a:noFill/>
-          <a:ln/>
-        </p:spPr>
-        <p:txBody>
-          <a:bodyPr wrap="square" lIns="76200" tIns="0" rIns="0" bIns="0" rtlCol="0" anchor="t"/>
-          <a:lstStyle/>
-          <a:p>
-            <a:pPr algn="l" marL="76200" indent="-76200">
-              <a:lnSpc>
-                <a:spcPts val="1400"/>
-              </a:lnSpc>
-              <a:spcAft>
-                <a:spcPts val="400"/>
-              </a:spcAft>
-              <a:buSzPct val="100000"/>
-              <a:buChar char="•"/>
-            </a:pPr>
-            <a:r>
-              <a:rPr lang="en-US" sz="1000" dirty="0">
-                <a:solidFill>
-                  <a:srgbClr val="F4F6F6"/>
-                </a:solidFill>
-                <a:latin typeface="Arial" pitchFamily="34" charset="0"/>
-                <a:ea typeface="Arial" pitchFamily="34" charset="-122"/>
-                <a:cs typeface="Arial" pitchFamily="34" charset="-120"/>
-              </a:rPr>
-              <a:t>140M patent associations</a:t>
-            </a:r>
-            <a:endParaRPr lang="en-US" sz="1000" dirty="0"/>
-          </a:p>
-          <a:p>
-            <a:pPr algn="l" marL="76200" indent="-76200">
-              <a:lnSpc>
-                <a:spcPts val="1400"/>
-              </a:lnSpc>
-              <a:spcAft>
-                <a:spcPts val="400"/>
-              </a:spcAft>
-              <a:buSzPct val="100000"/>
-              <a:buChar char="•"/>
-            </a:pPr>
-            <a:r>
-              <a:rPr lang="en-US" sz="1000" dirty="0">
-                <a:solidFill>
-                  <a:srgbClr val="F4F6F6"/>
-                </a:solidFill>
-                <a:latin typeface="Arial" pitchFamily="34" charset="0"/>
-                <a:ea typeface="Arial" pitchFamily="34" charset="-122"/>
-                <a:cs typeface="Arial" pitchFamily="34" charset="-120"/>
-              </a:rPr>
-              <a:t>7M unique gene-disease pairs</a:t>
-            </a:r>
-            <a:endParaRPr lang="en-US" sz="1000" dirty="0"/>
-          </a:p>
-          <a:p>
-            <a:pPr algn="l" marL="76200" indent="-76200">
-              <a:lnSpc>
-                <a:spcPts val="1400"/>
-              </a:lnSpc>
-              <a:spcAft>
-                <a:spcPts val="400"/>
-              </a:spcAft>
-              <a:buSzPct val="100000"/>
-              <a:buChar char="•"/>
-            </a:pPr>
-            <a:r>
-              <a:rPr lang="en-US" sz="1000" dirty="0">
-                <a:solidFill>
-                  <a:srgbClr val="F4F6F6"/>
-                </a:solidFill>
-                <a:latin typeface="Arial" pitchFamily="34" charset="0"/>
-                <a:ea typeface="Arial" pitchFamily="34" charset="-122"/>
-                <a:cs typeface="Arial" pitchFamily="34" charset="-120"/>
-              </a:rPr>
-              <a:t>21 years (2000-2020)</a:t>
-            </a:r>
-            <a:endParaRPr lang="en-US" sz="1000" dirty="0"/>
-          </a:p>
-          <a:p>
-            <a:pPr algn="l" marL="76200" indent="-76200">
-              <a:lnSpc>
-                <a:spcPts val="1400"/>
-              </a:lnSpc>
-              <a:spcAft>
-                <a:spcPts val="400"/>
-              </a:spcAft>
-              <a:buSzPct val="100000"/>
-              <a:buChar char="•"/>
-            </a:pPr>
-            <a:r>
-              <a:rPr lang="en-US" sz="1000" dirty="0">
-                <a:solidFill>
-                  <a:srgbClr val="F4F6F6"/>
-                </a:solidFill>
-                <a:latin typeface="Arial" pitchFamily="34" charset="0"/>
-                <a:ea typeface="Arial" pitchFamily="34" charset="-122"/>
-                <a:cs typeface="Arial" pitchFamily="34" charset="-120"/>
-              </a:rPr>
-              <a:t>99% confidence filter</a:t>
-            </a:r>
-            <a:endParaRPr lang="en-US" sz="1000" dirty="0"/>
-          </a:p>
-        </p:txBody>
-      </p:sp>
-      <p:sp>
-        <p:nvSpPr>
-          <p:cNvPr id="18" name="Text 16"/>
-          <p:cNvSpPr/>
-          <p:nvPr/>
-        </p:nvSpPr>
-        <p:spPr>
-          <a:xfrm>
-            <a:off x="507950" y="3848844"/>
-            <a:ext cx="8128099" cy="850404"/>
-          </a:xfrm>
-          <a:prstGeom prst="roundRect">
-            <a:avLst>
-              <a:gd name="adj" fmla="val 8960"/>
-            </a:avLst>
-          </a:prstGeom>
-          <a:solidFill>
-            <a:srgbClr val="2E4053"/>
-          </a:solidFill>
-          <a:ln/>
-        </p:spPr>
-        <p:txBody>
-          <a:bodyPr wrap="square" rtlCol="0" anchor="ctr"/>
-          <a:lstStyle/>
-          <a:p>
-            <a:pPr indent="0" marL="0">
-              <a:buNone/>
-            </a:pPr>
-            <a:endParaRPr lang="en-US" dirty="0"/>
-          </a:p>
-        </p:txBody>
-      </p:sp>
-      <p:sp>
-        <p:nvSpPr>
-          <p:cNvPr id="19" name="Text 17"/>
-          <p:cNvSpPr/>
-          <p:nvPr/>
-        </p:nvSpPr>
-        <p:spPr>
-          <a:xfrm>
-            <a:off x="1015901" y="4001244"/>
-            <a:ext cx="7254442" cy="152400"/>
-          </a:xfrm>
-          <a:prstGeom prst="rect">
-            <a:avLst/>
-          </a:prstGeom>
-          <a:noFill/>
-          <a:ln/>
-        </p:spPr>
-        <p:txBody>
-          <a:bodyPr wrap="square" lIns="0" tIns="0" rIns="0" bIns="0" rtlCol="0" anchor="t"/>
-          <a:lstStyle/>
-          <a:p>
-            <a:pPr algn="l" indent="0" marL="0">
-              <a:spcAft>
-                <a:spcPts val="500"/>
-              </a:spcAft>
-              <a:buNone/>
-            </a:pPr>
-            <a:r>
-              <a:rPr lang="en-US" sz="1100" b="1" dirty="0">
-                <a:solidFill>
-                  <a:srgbClr val="F39C12"/>
-                </a:solidFill>
-                <a:latin typeface="Arial" pitchFamily="34" charset="0"/>
-                <a:ea typeface="Arial" pitchFamily="34" charset="-122"/>
-                <a:cs typeface="Arial" pitchFamily="34" charset="-120"/>
-              </a:rPr>
-              <a:t>Why This Matters for NLM</a:t>
-            </a:r>
-            <a:endParaRPr lang="en-US" sz="1100" dirty="0"/>
-          </a:p>
-        </p:txBody>
-      </p:sp>
-      <p:sp>
-        <p:nvSpPr>
-          <p:cNvPr id="20" name="Text 18"/>
-          <p:cNvSpPr/>
-          <p:nvPr/>
-        </p:nvSpPr>
-        <p:spPr>
-          <a:xfrm>
-            <a:off x="1015901" y="4217045"/>
-            <a:ext cx="7254442" cy="329803"/>
-          </a:xfrm>
-          <a:prstGeom prst="rect">
-            <a:avLst/>
-          </a:prstGeom>
-          <a:noFill/>
-          <a:ln/>
-        </p:spPr>
-        <p:txBody>
-          <a:bodyPr wrap="square" lIns="0" tIns="0" rIns="0" bIns="0" rtlCol="0" anchor="t"/>
-          <a:lstStyle/>
-          <a:p>
-            <a:pPr algn="l" indent="0" marL="0">
-              <a:lnSpc>
-                <a:spcPts val="1300"/>
-              </a:lnSpc>
-              <a:buNone/>
-            </a:pPr>
-            <a:r>
-              <a:rPr lang="en-US" sz="1000" dirty="0">
-                <a:solidFill>
-                  <a:srgbClr val="F4F6F6"/>
-                </a:solidFill>
-                <a:latin typeface="Arial" pitchFamily="34" charset="0"/>
-                <a:ea typeface="Arial" pitchFamily="34" charset="-122"/>
-                <a:cs typeface="Arial" pitchFamily="34" charset="-120"/>
-              </a:rPr>
-              <a:t>This framework enables rigorous measurement of how NIH-funded discoveries propagate through the biomedical knowledge graph, providing evidence-based ROI assessment for genomic research investments.</a:t>
-            </a:r>
-            <a:endParaRPr lang="en-US" sz="1000" dirty="0"/>
-          </a:p>
-        </p:txBody>
-      </p:sp>
-      <p:sp>
-        <p:nvSpPr>
-          <p:cNvPr id="21" name="Text 19"/>
-          <p:cNvSpPr/>
-          <p:nvPr/>
-        </p:nvSpPr>
-        <p:spPr>
-          <a:xfrm>
-            <a:off x="0" y="4826198"/>
-            <a:ext cx="9144000" cy="317302"/>
-          </a:xfrm>
-          <a:prstGeom prst="rect">
-            <a:avLst/>
-          </a:prstGeom>
-          <a:solidFill>
-            <a:srgbClr val="2E4053"/>
-          </a:solidFill>
-          <a:ln/>
-        </p:spPr>
-        <p:txBody>
-          <a:bodyPr wrap="square" rtlCol="0" anchor="ctr"/>
-          <a:lstStyle/>
-          <a:p>
-            <a:pPr indent="0" marL="0">
-              <a:buNone/>
-            </a:pPr>
-            <a:endParaRPr lang="en-US" dirty="0"/>
-          </a:p>
-        </p:txBody>
-      </p:sp>
-      <p:sp>
-        <p:nvSpPr>
-          <p:cNvPr id="22" name="Text 20"/>
-          <p:cNvSpPr/>
-          <p:nvPr/>
-        </p:nvSpPr>
-        <p:spPr>
-          <a:xfrm>
-            <a:off x="507950" y="4927699"/>
-            <a:ext cx="8290661" cy="114300"/>
-          </a:xfrm>
-          <a:prstGeom prst="rect">
-            <a:avLst/>
-          </a:prstGeom>
-          <a:noFill/>
-          <a:ln/>
-        </p:spPr>
-        <p:txBody>
-          <a:bodyPr wrap="square" lIns="0" tIns="0" rIns="0" bIns="0" rtlCol="0" anchor="t"/>
-          <a:lstStyle/>
-          <a:p>
-            <a:pPr algn="l" indent="0" marL="0">
-              <a:buNone/>
-            </a:pPr>
-            <a:r>
-              <a:rPr lang="en-US" sz="800" dirty="0">
-                <a:solidFill>
-                  <a:srgbClr val="AAB7B8"/>
-                </a:solidFill>
-                <a:latin typeface="Arial" pitchFamily="34" charset="0"/>
-                <a:ea typeface="Arial" pitchFamily="34" charset="-122"/>
-                <a:cs typeface="Arial" pitchFamily="34" charset="-120"/>
-              </a:rPr>
-              <a:t>Tranchero, Guthmann et al. | Wharton School, University of Pennsylvania</a:t>
+              <a:t>Tranchero &amp; Guthmann | Wharton School</a:t>
             </a:r>
             <a:endParaRPr lang="en-US" sz="800" dirty="0"/>
           </a:p>
